--- a/FancyQuartettDatenmodell/Datenmodell_PPT.pptx
+++ b/FancyQuartettDatenmodell/Datenmodell_PPT.pptx
@@ -1,6 +1,6 @@
 
 <file path=ppt/presentation.xml><?xml version="1.0" encoding="utf-8"?>
-<p:presentation xmlns:a="http://schemas.openxmlformats.org/drawingml/2006/main" xmlns:r="http://schemas.openxmlformats.org/officeDocument/2006/relationships" xmlns:p="http://schemas.openxmlformats.org/presentationml/2006/main" autoCompressPictures="0">
+<p:presentation xmlns:a="http://schemas.openxmlformats.org/drawingml/2006/main" xmlns:r="http://schemas.openxmlformats.org/officeDocument/2006/relationships" xmlns:p="http://schemas.openxmlformats.org/presentationml/2006/main" saveSubsetFonts="1" autoCompressPictures="0">
   <p:sldMasterIdLst>
     <p:sldMasterId id="2147483648" r:id="rId1"/>
   </p:sldMasterIdLst>
@@ -106,6 +106,11 @@
       </a:defRPr>
     </a:lvl9pPr>
   </p:defaultTextStyle>
+  <p:extLst>
+    <p:ext uri="{EFAFB233-063F-42B5-8137-9DF3F51BA10A}">
+      <p15:sldGuideLst xmlns:p15="http://schemas.microsoft.com/office/powerpoint/2012/main"/>
+    </p:ext>
+  </p:extLst>
 </p:presentation>
 </file>
 
@@ -166,7 +171,7 @@
           <a:noFill/>
           <a:extLst>
             <a:ext uri="{909E8E84-426E-40dd-AFC4-6F175D3DCCD1}">
-              <a14:hiddenFill xmlns:a14="http://schemas.microsoft.com/office/drawing/2010/main" xmlns="">
+              <a14:hiddenFill xmlns="" xmlns:a14="http://schemas.microsoft.com/office/drawing/2010/main">
                 <a:solidFill>
                   <a:srgbClr val="FFFFFF"/>
                 </a:solidFill>
@@ -226,7 +231,7 @@
             </a:ln>
             <a:extLst>
               <a:ext uri="{91240B29-F687-4f45-9708-019B960494DF}">
-                <a14:hiddenLine xmlns:a14="http://schemas.microsoft.com/office/drawing/2010/main" xmlns="" w="9525">
+                <a14:hiddenLine xmlns="" xmlns:a14="http://schemas.microsoft.com/office/drawing/2010/main" w="9525">
                   <a:solidFill>
                     <a:srgbClr val="000000"/>
                   </a:solidFill>
@@ -316,7 +321,7 @@
             </a:ln>
             <a:extLst>
               <a:ext uri="{91240B29-F687-4f45-9708-019B960494DF}">
-                <a14:hiddenLine xmlns:a14="http://schemas.microsoft.com/office/drawing/2010/main" xmlns="" w="9525">
+                <a14:hiddenLine xmlns="" xmlns:a14="http://schemas.microsoft.com/office/drawing/2010/main" w="9525">
                   <a:solidFill>
                     <a:srgbClr val="000000"/>
                   </a:solidFill>
@@ -406,7 +411,7 @@
             </a:ln>
             <a:extLst>
               <a:ext uri="{91240B29-F687-4f45-9708-019B960494DF}">
-                <a14:hiddenLine xmlns:a14="http://schemas.microsoft.com/office/drawing/2010/main" xmlns="" w="9525">
+                <a14:hiddenLine xmlns="" xmlns:a14="http://schemas.microsoft.com/office/drawing/2010/main" w="9525">
                   <a:solidFill>
                     <a:srgbClr val="000000"/>
                   </a:solidFill>
@@ -440,7 +445,7 @@
             </a:ln>
             <a:extLst>
               <a:ext uri="{91240B29-F687-4f45-9708-019B960494DF}">
-                <a14:hiddenLine xmlns:a14="http://schemas.microsoft.com/office/drawing/2010/main" xmlns="" w="9525">
+                <a14:hiddenLine xmlns="" xmlns:a14="http://schemas.microsoft.com/office/drawing/2010/main" w="9525">
                   <a:solidFill>
                     <a:srgbClr val="000000"/>
                   </a:solidFill>
@@ -530,7 +535,7 @@
             </a:ln>
             <a:extLst>
               <a:ext uri="{91240B29-F687-4f45-9708-019B960494DF}">
-                <a14:hiddenLine xmlns:a14="http://schemas.microsoft.com/office/drawing/2010/main" xmlns="" w="9525">
+                <a14:hiddenLine xmlns="" xmlns:a14="http://schemas.microsoft.com/office/drawing/2010/main" w="9525">
                   <a:solidFill>
                     <a:srgbClr val="000000"/>
                   </a:solidFill>
@@ -592,7 +597,7 @@
             </a:ln>
             <a:extLst>
               <a:ext uri="{91240B29-F687-4f45-9708-019B960494DF}">
-                <a14:hiddenLine xmlns:a14="http://schemas.microsoft.com/office/drawing/2010/main" xmlns="" w="9525">
+                <a14:hiddenLine xmlns="" xmlns:a14="http://schemas.microsoft.com/office/drawing/2010/main" w="9525">
                   <a:solidFill>
                     <a:srgbClr val="000000"/>
                   </a:solidFill>
@@ -654,7 +659,7 @@
             </a:ln>
             <a:extLst>
               <a:ext uri="{91240B29-F687-4f45-9708-019B960494DF}">
-                <a14:hiddenLine xmlns:a14="http://schemas.microsoft.com/office/drawing/2010/main" xmlns="" w="9525">
+                <a14:hiddenLine xmlns="" xmlns:a14="http://schemas.microsoft.com/office/drawing/2010/main" w="9525">
                   <a:solidFill>
                     <a:srgbClr val="000000"/>
                   </a:solidFill>
@@ -744,7 +749,7 @@
             </a:ln>
             <a:extLst>
               <a:ext uri="{91240B29-F687-4f45-9708-019B960494DF}">
-                <a14:hiddenLine xmlns:a14="http://schemas.microsoft.com/office/drawing/2010/main" xmlns="" w="9525">
+                <a14:hiddenLine xmlns="" xmlns:a14="http://schemas.microsoft.com/office/drawing/2010/main" w="9525">
                   <a:solidFill>
                     <a:srgbClr val="000000"/>
                   </a:solidFill>
@@ -806,7 +811,7 @@
             </a:ln>
             <a:extLst>
               <a:ext uri="{91240B29-F687-4f45-9708-019B960494DF}">
-                <a14:hiddenLine xmlns:a14="http://schemas.microsoft.com/office/drawing/2010/main" xmlns="" w="9525">
+                <a14:hiddenLine xmlns="" xmlns:a14="http://schemas.microsoft.com/office/drawing/2010/main" w="9525">
                   <a:solidFill>
                     <a:srgbClr val="000000"/>
                   </a:solidFill>
@@ -868,7 +873,7 @@
             </a:ln>
             <a:extLst>
               <a:ext uri="{91240B29-F687-4f45-9708-019B960494DF}">
-                <a14:hiddenLine xmlns:a14="http://schemas.microsoft.com/office/drawing/2010/main" xmlns="" w="9525">
+                <a14:hiddenLine xmlns="" xmlns:a14="http://schemas.microsoft.com/office/drawing/2010/main" w="9525">
                   <a:solidFill>
                     <a:srgbClr val="000000"/>
                   </a:solidFill>
@@ -958,7 +963,7 @@
             </a:ln>
             <a:extLst>
               <a:ext uri="{91240B29-F687-4f45-9708-019B960494DF}">
-                <a14:hiddenLine xmlns:a14="http://schemas.microsoft.com/office/drawing/2010/main" xmlns="" w="9525">
+                <a14:hiddenLine xmlns="" xmlns:a14="http://schemas.microsoft.com/office/drawing/2010/main" w="9525">
                   <a:solidFill>
                     <a:srgbClr val="000000"/>
                   </a:solidFill>
@@ -1048,7 +1053,7 @@
             </a:ln>
             <a:extLst>
               <a:ext uri="{91240B29-F687-4f45-9708-019B960494DF}">
-                <a14:hiddenLine xmlns:a14="http://schemas.microsoft.com/office/drawing/2010/main" xmlns="" w="9525">
+                <a14:hiddenLine xmlns="" xmlns:a14="http://schemas.microsoft.com/office/drawing/2010/main" w="9525">
                   <a:solidFill>
                     <a:srgbClr val="000000"/>
                   </a:solidFill>
@@ -1110,7 +1115,7 @@
             </a:ln>
             <a:extLst>
               <a:ext uri="{91240B29-F687-4f45-9708-019B960494DF}">
-                <a14:hiddenLine xmlns:a14="http://schemas.microsoft.com/office/drawing/2010/main" xmlns="" w="9525">
+                <a14:hiddenLine xmlns="" xmlns:a14="http://schemas.microsoft.com/office/drawing/2010/main" w="9525">
                   <a:solidFill>
                     <a:srgbClr val="000000"/>
                   </a:solidFill>
@@ -1220,7 +1225,7 @@
             </a:ln>
             <a:extLst>
               <a:ext uri="{91240B29-F687-4f45-9708-019B960494DF}">
-                <a14:hiddenLine xmlns:a14="http://schemas.microsoft.com/office/drawing/2010/main" xmlns="" w="9525">
+                <a14:hiddenLine xmlns="" xmlns:a14="http://schemas.microsoft.com/office/drawing/2010/main" w="9525">
                   <a:solidFill>
                     <a:srgbClr val="000000"/>
                   </a:solidFill>
@@ -1282,7 +1287,7 @@
             </a:ln>
             <a:extLst>
               <a:ext uri="{91240B29-F687-4f45-9708-019B960494DF}">
-                <a14:hiddenLine xmlns:a14="http://schemas.microsoft.com/office/drawing/2010/main" xmlns="" w="9525">
+                <a14:hiddenLine xmlns="" xmlns:a14="http://schemas.microsoft.com/office/drawing/2010/main" w="9525">
                   <a:solidFill>
                     <a:srgbClr val="000000"/>
                   </a:solidFill>
@@ -1372,7 +1377,7 @@
             </a:ln>
             <a:extLst>
               <a:ext uri="{91240B29-F687-4f45-9708-019B960494DF}">
-                <a14:hiddenLine xmlns:a14="http://schemas.microsoft.com/office/drawing/2010/main" xmlns="" w="9525">
+                <a14:hiddenLine xmlns="" xmlns:a14="http://schemas.microsoft.com/office/drawing/2010/main" w="9525">
                   <a:solidFill>
                     <a:srgbClr val="000000"/>
                   </a:solidFill>
@@ -1462,7 +1467,7 @@
             </a:ln>
             <a:extLst>
               <a:ext uri="{91240B29-F687-4f45-9708-019B960494DF}">
-                <a14:hiddenLine xmlns:a14="http://schemas.microsoft.com/office/drawing/2010/main" xmlns="" w="9525">
+                <a14:hiddenLine xmlns="" xmlns:a14="http://schemas.microsoft.com/office/drawing/2010/main" w="9525">
                   <a:solidFill>
                     <a:srgbClr val="000000"/>
                   </a:solidFill>
@@ -1524,7 +1529,7 @@
             </a:ln>
             <a:extLst>
               <a:ext uri="{91240B29-F687-4f45-9708-019B960494DF}">
-                <a14:hiddenLine xmlns:a14="http://schemas.microsoft.com/office/drawing/2010/main" xmlns="" w="9525">
+                <a14:hiddenLine xmlns="" xmlns:a14="http://schemas.microsoft.com/office/drawing/2010/main" w="9525">
                   <a:solidFill>
                     <a:srgbClr val="000000"/>
                   </a:solidFill>
@@ -1614,7 +1619,7 @@
             </a:ln>
             <a:extLst>
               <a:ext uri="{91240B29-F687-4f45-9708-019B960494DF}">
-                <a14:hiddenLine xmlns:a14="http://schemas.microsoft.com/office/drawing/2010/main" xmlns="" w="9525">
+                <a14:hiddenLine xmlns="" xmlns:a14="http://schemas.microsoft.com/office/drawing/2010/main" w="9525">
                   <a:solidFill>
                     <a:srgbClr val="000000"/>
                   </a:solidFill>
@@ -1704,7 +1709,7 @@
             </a:ln>
             <a:extLst>
               <a:ext uri="{91240B29-F687-4f45-9708-019B960494DF}">
-                <a14:hiddenLine xmlns:a14="http://schemas.microsoft.com/office/drawing/2010/main" xmlns="" w="9525">
+                <a14:hiddenLine xmlns="" xmlns:a14="http://schemas.microsoft.com/office/drawing/2010/main" w="9525">
                   <a:solidFill>
                     <a:srgbClr val="000000"/>
                   </a:solidFill>
@@ -1760,7 +1765,7 @@
             </a:ln>
             <a:extLst>
               <a:ext uri="{91240B29-F687-4f45-9708-019B960494DF}">
-                <a14:hiddenLine xmlns:a14="http://schemas.microsoft.com/office/drawing/2010/main" xmlns="" w="9525">
+                <a14:hiddenLine xmlns="" xmlns:a14="http://schemas.microsoft.com/office/drawing/2010/main" w="9525">
                   <a:solidFill>
                     <a:srgbClr val="000000"/>
                   </a:solidFill>
@@ -1850,7 +1855,7 @@
             </a:ln>
             <a:extLst>
               <a:ext uri="{91240B29-F687-4f45-9708-019B960494DF}">
-                <a14:hiddenLine xmlns:a14="http://schemas.microsoft.com/office/drawing/2010/main" xmlns="" w="9525">
+                <a14:hiddenLine xmlns="" xmlns:a14="http://schemas.microsoft.com/office/drawing/2010/main" w="9525">
                   <a:solidFill>
                     <a:srgbClr val="000000"/>
                   </a:solidFill>
@@ -1906,7 +1911,7 @@
             </a:ln>
             <a:extLst>
               <a:ext uri="{91240B29-F687-4f45-9708-019B960494DF}">
-                <a14:hiddenLine xmlns:a14="http://schemas.microsoft.com/office/drawing/2010/main" xmlns="" w="9525">
+                <a14:hiddenLine xmlns="" xmlns:a14="http://schemas.microsoft.com/office/drawing/2010/main" w="9525">
                   <a:solidFill>
                     <a:srgbClr val="000000"/>
                   </a:solidFill>
@@ -1996,7 +2001,7 @@
             </a:ln>
             <a:extLst>
               <a:ext uri="{91240B29-F687-4f45-9708-019B960494DF}">
-                <a14:hiddenLine xmlns:a14="http://schemas.microsoft.com/office/drawing/2010/main" xmlns="" w="9525">
+                <a14:hiddenLine xmlns="" xmlns:a14="http://schemas.microsoft.com/office/drawing/2010/main" w="9525">
                   <a:solidFill>
                     <a:srgbClr val="000000"/>
                   </a:solidFill>
@@ -2064,7 +2069,7 @@
             </a:ln>
             <a:extLst>
               <a:ext uri="{91240B29-F687-4f45-9708-019B960494DF}">
-                <a14:hiddenLine xmlns:a14="http://schemas.microsoft.com/office/drawing/2010/main" xmlns="" w="9525">
+                <a14:hiddenLine xmlns="" xmlns:a14="http://schemas.microsoft.com/office/drawing/2010/main" w="9525">
                   <a:solidFill>
                     <a:srgbClr val="000000"/>
                   </a:solidFill>
@@ -2154,7 +2159,7 @@
             </a:ln>
             <a:extLst>
               <a:ext uri="{91240B29-F687-4f45-9708-019B960494DF}">
-                <a14:hiddenLine xmlns:a14="http://schemas.microsoft.com/office/drawing/2010/main" xmlns="" w="9525">
+                <a14:hiddenLine xmlns="" xmlns:a14="http://schemas.microsoft.com/office/drawing/2010/main" w="9525">
                   <a:solidFill>
                     <a:srgbClr val="000000"/>
                   </a:solidFill>
@@ -2222,7 +2227,7 @@
             </a:ln>
             <a:extLst>
               <a:ext uri="{91240B29-F687-4f45-9708-019B960494DF}">
-                <a14:hiddenLine xmlns:a14="http://schemas.microsoft.com/office/drawing/2010/main" xmlns="" w="9525">
+                <a14:hiddenLine xmlns="" xmlns:a14="http://schemas.microsoft.com/office/drawing/2010/main" w="9525">
                   <a:solidFill>
                     <a:srgbClr val="000000"/>
                   </a:solidFill>
@@ -2312,7 +2317,7 @@
             </a:ln>
             <a:extLst>
               <a:ext uri="{91240B29-F687-4f45-9708-019B960494DF}">
-                <a14:hiddenLine xmlns:a14="http://schemas.microsoft.com/office/drawing/2010/main" xmlns="" w="9525">
+                <a14:hiddenLine xmlns="" xmlns:a14="http://schemas.microsoft.com/office/drawing/2010/main" w="9525">
                   <a:solidFill>
                     <a:srgbClr val="000000"/>
                   </a:solidFill>
@@ -2346,7 +2351,7 @@
             </a:ln>
             <a:extLst>
               <a:ext uri="{91240B29-F687-4f45-9708-019B960494DF}">
-                <a14:hiddenLine xmlns:a14="http://schemas.microsoft.com/office/drawing/2010/main" xmlns="" w="9525">
+                <a14:hiddenLine xmlns="" xmlns:a14="http://schemas.microsoft.com/office/drawing/2010/main" w="9525">
                   <a:solidFill>
                     <a:srgbClr val="000000"/>
                   </a:solidFill>
@@ -2436,7 +2441,7 @@
             </a:ln>
             <a:extLst>
               <a:ext uri="{91240B29-F687-4f45-9708-019B960494DF}">
-                <a14:hiddenLine xmlns:a14="http://schemas.microsoft.com/office/drawing/2010/main" xmlns="" w="9525">
+                <a14:hiddenLine xmlns="" xmlns:a14="http://schemas.microsoft.com/office/drawing/2010/main" w="9525">
                   <a:solidFill>
                     <a:srgbClr val="000000"/>
                   </a:solidFill>
@@ -2498,7 +2503,7 @@
             </a:ln>
             <a:extLst>
               <a:ext uri="{91240B29-F687-4f45-9708-019B960494DF}">
-                <a14:hiddenLine xmlns:a14="http://schemas.microsoft.com/office/drawing/2010/main" xmlns="" w="9525">
+                <a14:hiddenLine xmlns="" xmlns:a14="http://schemas.microsoft.com/office/drawing/2010/main" w="9525">
                   <a:solidFill>
                     <a:srgbClr val="000000"/>
                   </a:solidFill>
@@ -2560,7 +2565,7 @@
             </a:ln>
             <a:extLst>
               <a:ext uri="{91240B29-F687-4f45-9708-019B960494DF}">
-                <a14:hiddenLine xmlns:a14="http://schemas.microsoft.com/office/drawing/2010/main" xmlns="" w="9525">
+                <a14:hiddenLine xmlns="" xmlns:a14="http://schemas.microsoft.com/office/drawing/2010/main" w="9525">
                   <a:solidFill>
                     <a:srgbClr val="000000"/>
                   </a:solidFill>
@@ -2650,7 +2655,7 @@
             </a:ln>
             <a:extLst>
               <a:ext uri="{91240B29-F687-4f45-9708-019B960494DF}">
-                <a14:hiddenLine xmlns:a14="http://schemas.microsoft.com/office/drawing/2010/main" xmlns="" w="9525">
+                <a14:hiddenLine xmlns="" xmlns:a14="http://schemas.microsoft.com/office/drawing/2010/main" w="9525">
                   <a:solidFill>
                     <a:srgbClr val="000000"/>
                   </a:solidFill>
@@ -2718,7 +2723,7 @@
             </a:ln>
             <a:extLst>
               <a:ext uri="{91240B29-F687-4f45-9708-019B960494DF}">
-                <a14:hiddenLine xmlns:a14="http://schemas.microsoft.com/office/drawing/2010/main" xmlns="" w="9525">
+                <a14:hiddenLine xmlns="" xmlns:a14="http://schemas.microsoft.com/office/drawing/2010/main" w="9525">
                   <a:solidFill>
                     <a:srgbClr val="000000"/>
                   </a:solidFill>
@@ -2780,7 +2785,7 @@
             </a:ln>
             <a:extLst>
               <a:ext uri="{91240B29-F687-4f45-9708-019B960494DF}">
-                <a14:hiddenLine xmlns:a14="http://schemas.microsoft.com/office/drawing/2010/main" xmlns="" w="9525">
+                <a14:hiddenLine xmlns="" xmlns:a14="http://schemas.microsoft.com/office/drawing/2010/main" w="9525">
                   <a:solidFill>
                     <a:srgbClr val="000000"/>
                   </a:solidFill>
@@ -2870,7 +2875,7 @@
             </a:ln>
             <a:extLst>
               <a:ext uri="{91240B29-F687-4f45-9708-019B960494DF}">
-                <a14:hiddenLine xmlns:a14="http://schemas.microsoft.com/office/drawing/2010/main" xmlns="" w="9525">
+                <a14:hiddenLine xmlns="" xmlns:a14="http://schemas.microsoft.com/office/drawing/2010/main" w="9525">
                   <a:solidFill>
                     <a:srgbClr val="000000"/>
                   </a:solidFill>
@@ -2932,7 +2937,7 @@
             </a:ln>
             <a:extLst>
               <a:ext uri="{91240B29-F687-4f45-9708-019B960494DF}">
-                <a14:hiddenLine xmlns:a14="http://schemas.microsoft.com/office/drawing/2010/main" xmlns="" w="9525">
+                <a14:hiddenLine xmlns="" xmlns:a14="http://schemas.microsoft.com/office/drawing/2010/main" w="9525">
                   <a:solidFill>
                     <a:srgbClr val="000000"/>
                   </a:solidFill>
@@ -3022,7 +3027,7 @@
             </a:ln>
             <a:extLst>
               <a:ext uri="{91240B29-F687-4f45-9708-019B960494DF}">
-                <a14:hiddenLine xmlns:a14="http://schemas.microsoft.com/office/drawing/2010/main" xmlns="" w="9525">
+                <a14:hiddenLine xmlns="" xmlns:a14="http://schemas.microsoft.com/office/drawing/2010/main" w="9525">
                   <a:solidFill>
                     <a:srgbClr val="000000"/>
                   </a:solidFill>
@@ -3084,7 +3089,7 @@
             </a:ln>
             <a:extLst>
               <a:ext uri="{91240B29-F687-4f45-9708-019B960494DF}">
-                <a14:hiddenLine xmlns:a14="http://schemas.microsoft.com/office/drawing/2010/main" xmlns="" w="9525">
+                <a14:hiddenLine xmlns="" xmlns:a14="http://schemas.microsoft.com/office/drawing/2010/main" w="9525">
                   <a:solidFill>
                     <a:srgbClr val="000000"/>
                   </a:solidFill>
@@ -3174,7 +3179,7 @@
             </a:ln>
             <a:extLst>
               <a:ext uri="{91240B29-F687-4f45-9708-019B960494DF}">
-                <a14:hiddenLine xmlns:a14="http://schemas.microsoft.com/office/drawing/2010/main" xmlns="" w="9525">
+                <a14:hiddenLine xmlns="" xmlns:a14="http://schemas.microsoft.com/office/drawing/2010/main" w="9525">
                   <a:solidFill>
                     <a:srgbClr val="000000"/>
                   </a:solidFill>
@@ -3208,7 +3213,7 @@
             </a:ln>
             <a:extLst>
               <a:ext uri="{91240B29-F687-4f45-9708-019B960494DF}">
-                <a14:hiddenLine xmlns:a14="http://schemas.microsoft.com/office/drawing/2010/main" xmlns="" w="9525">
+                <a14:hiddenLine xmlns="" xmlns:a14="http://schemas.microsoft.com/office/drawing/2010/main" w="9525">
                   <a:solidFill>
                     <a:srgbClr val="000000"/>
                   </a:solidFill>
@@ -3273,7 +3278,7 @@
             </a:ln>
             <a:extLst>
               <a:ext uri="{91240B29-F687-4f45-9708-019B960494DF}">
-                <a14:hiddenLine xmlns:a14="http://schemas.microsoft.com/office/drawing/2010/main" xmlns="" w="9525">
+                <a14:hiddenLine xmlns="" xmlns:a14="http://schemas.microsoft.com/office/drawing/2010/main" w="9525">
                   <a:solidFill>
                     <a:srgbClr val="000000"/>
                   </a:solidFill>
@@ -3363,7 +3368,7 @@
             </a:ln>
             <a:extLst>
               <a:ext uri="{91240B29-F687-4f45-9708-019B960494DF}">
-                <a14:hiddenLine xmlns:a14="http://schemas.microsoft.com/office/drawing/2010/main" xmlns="" w="9525">
+                <a14:hiddenLine xmlns="" xmlns:a14="http://schemas.microsoft.com/office/drawing/2010/main" w="9525">
                   <a:solidFill>
                     <a:srgbClr val="000000"/>
                   </a:solidFill>
@@ -3425,7 +3430,7 @@
             </a:ln>
             <a:extLst>
               <a:ext uri="{91240B29-F687-4f45-9708-019B960494DF}">
-                <a14:hiddenLine xmlns:a14="http://schemas.microsoft.com/office/drawing/2010/main" xmlns="" w="9525">
+                <a14:hiddenLine xmlns="" xmlns:a14="http://schemas.microsoft.com/office/drawing/2010/main" w="9525">
                   <a:solidFill>
                     <a:srgbClr val="000000"/>
                   </a:solidFill>
@@ -3515,7 +3520,7 @@
             </a:ln>
             <a:extLst>
               <a:ext uri="{91240B29-F687-4f45-9708-019B960494DF}">
-                <a14:hiddenLine xmlns:a14="http://schemas.microsoft.com/office/drawing/2010/main" xmlns="" w="9525">
+                <a14:hiddenLine xmlns="" xmlns:a14="http://schemas.microsoft.com/office/drawing/2010/main" w="9525">
                   <a:solidFill>
                     <a:srgbClr val="000000"/>
                   </a:solidFill>
@@ -3605,7 +3610,7 @@
             </a:ln>
             <a:extLst>
               <a:ext uri="{91240B29-F687-4f45-9708-019B960494DF}">
-                <a14:hiddenLine xmlns:a14="http://schemas.microsoft.com/office/drawing/2010/main" xmlns="" w="9525">
+                <a14:hiddenLine xmlns="" xmlns:a14="http://schemas.microsoft.com/office/drawing/2010/main" w="9525">
                   <a:solidFill>
                     <a:srgbClr val="000000"/>
                   </a:solidFill>
@@ -3670,7 +3675,7 @@
             </a:ln>
             <a:extLst>
               <a:ext uri="{91240B29-F687-4f45-9708-019B960494DF}">
-                <a14:hiddenLine xmlns:a14="http://schemas.microsoft.com/office/drawing/2010/main" xmlns="" w="9525">
+                <a14:hiddenLine xmlns="" xmlns:a14="http://schemas.microsoft.com/office/drawing/2010/main" w="9525">
                   <a:solidFill>
                     <a:srgbClr val="000000"/>
                   </a:solidFill>
@@ -3732,7 +3737,7 @@
             </a:ln>
             <a:extLst>
               <a:ext uri="{91240B29-F687-4f45-9708-019B960494DF}">
-                <a14:hiddenLine xmlns:a14="http://schemas.microsoft.com/office/drawing/2010/main" xmlns="" w="9525">
+                <a14:hiddenLine xmlns="" xmlns:a14="http://schemas.microsoft.com/office/drawing/2010/main" w="9525">
                   <a:solidFill>
                     <a:srgbClr val="000000"/>
                   </a:solidFill>
@@ -3822,7 +3827,7 @@
             </a:ln>
             <a:extLst>
               <a:ext uri="{91240B29-F687-4f45-9708-019B960494DF}">
-                <a14:hiddenLine xmlns:a14="http://schemas.microsoft.com/office/drawing/2010/main" xmlns="" w="9525">
+                <a14:hiddenLine xmlns="" xmlns:a14="http://schemas.microsoft.com/office/drawing/2010/main" w="9525">
                   <a:solidFill>
                     <a:srgbClr val="000000"/>
                   </a:solidFill>
@@ -3912,7 +3917,7 @@
             </a:ln>
             <a:extLst>
               <a:ext uri="{91240B29-F687-4f45-9708-019B960494DF}">
-                <a14:hiddenLine xmlns:a14="http://schemas.microsoft.com/office/drawing/2010/main" xmlns="" w="9525">
+                <a14:hiddenLine xmlns="" xmlns:a14="http://schemas.microsoft.com/office/drawing/2010/main" w="9525">
                   <a:solidFill>
                     <a:srgbClr val="000000"/>
                   </a:solidFill>
@@ -3974,7 +3979,7 @@
             </a:ln>
             <a:extLst>
               <a:ext uri="{91240B29-F687-4f45-9708-019B960494DF}">
-                <a14:hiddenLine xmlns:a14="http://schemas.microsoft.com/office/drawing/2010/main" xmlns="" w="9525">
+                <a14:hiddenLine xmlns="" xmlns:a14="http://schemas.microsoft.com/office/drawing/2010/main" w="9525">
                   <a:solidFill>
                     <a:srgbClr val="000000"/>
                   </a:solidFill>
@@ -4094,7 +4099,7 @@
             </a:ln>
             <a:extLst>
               <a:ext uri="{91240B29-F687-4f45-9708-019B960494DF}">
-                <a14:hiddenLine xmlns:a14="http://schemas.microsoft.com/office/drawing/2010/main" xmlns="" w="9525">
+                <a14:hiddenLine xmlns="" xmlns:a14="http://schemas.microsoft.com/office/drawing/2010/main" w="9525">
                   <a:solidFill>
                     <a:srgbClr val="000000"/>
                   </a:solidFill>
@@ -4162,7 +4167,7 @@
             </a:ln>
             <a:extLst>
               <a:ext uri="{91240B29-F687-4f45-9708-019B960494DF}">
-                <a14:hiddenLine xmlns:a14="http://schemas.microsoft.com/office/drawing/2010/main" xmlns="" w="9525">
+                <a14:hiddenLine xmlns="" xmlns:a14="http://schemas.microsoft.com/office/drawing/2010/main" w="9525">
                   <a:solidFill>
                     <a:srgbClr val="000000"/>
                   </a:solidFill>
@@ -4252,7 +4257,7 @@
             </a:ln>
             <a:extLst>
               <a:ext uri="{91240B29-F687-4f45-9708-019B960494DF}">
-                <a14:hiddenLine xmlns:a14="http://schemas.microsoft.com/office/drawing/2010/main" xmlns="" w="9525">
+                <a14:hiddenLine xmlns="" xmlns:a14="http://schemas.microsoft.com/office/drawing/2010/main" w="9525">
                   <a:solidFill>
                     <a:srgbClr val="000000"/>
                   </a:solidFill>
@@ -4392,7 +4397,7 @@
           <a:p>
             <a:fld id="{48A87A34-81AB-432B-8DAE-1953F412C126}" type="datetimeFigureOut">
               <a:rPr lang="en-US" dirty="0"/>
-              <a:t>12/15/2015</a:t>
+              <a:t>12/16/15</a:t>
             </a:fld>
             <a:endParaRPr lang="en-US" dirty="0"/>
           </a:p>
@@ -4444,7 +4449,7 @@
           <a:p>
             <a:fld id="{6D22F896-40B5-4ADD-8801-0D06FADFA095}" type="slidenum">
               <a:rPr lang="en-US" dirty="0"/>
-              <a:t>‹Nr.›</a:t>
+              <a:t>‹#›</a:t>
             </a:fld>
             <a:endParaRPr lang="en-US" dirty="0"/>
           </a:p>
@@ -4654,7 +4659,7 @@
           <a:p>
             <a:fld id="{48A87A34-81AB-432B-8DAE-1953F412C126}" type="datetimeFigureOut">
               <a:rPr lang="en-US" dirty="0"/>
-              <a:t>12/15/2015</a:t>
+              <a:t>12/16/15</a:t>
             </a:fld>
             <a:endParaRPr lang="en-US" dirty="0"/>
           </a:p>
@@ -4696,7 +4701,7 @@
           <a:p>
             <a:fld id="{6D22F896-40B5-4ADD-8801-0D06FADFA095}" type="slidenum">
               <a:rPr lang="en-US" dirty="0"/>
-              <a:t>‹Nr.›</a:t>
+              <a:t>‹#›</a:t>
             </a:fld>
             <a:endParaRPr lang="en-US" dirty="0"/>
           </a:p>
@@ -4845,7 +4850,7 @@
           <a:p>
             <a:fld id="{48A87A34-81AB-432B-8DAE-1953F412C126}" type="datetimeFigureOut">
               <a:rPr lang="en-US" dirty="0"/>
-              <a:t>12/15/2015</a:t>
+              <a:t>12/16/15</a:t>
             </a:fld>
             <a:endParaRPr lang="en-US" dirty="0"/>
           </a:p>
@@ -4887,7 +4892,7 @@
           <a:p>
             <a:fld id="{6D22F896-40B5-4ADD-8801-0D06FADFA095}" type="slidenum">
               <a:rPr lang="en-US" dirty="0"/>
-              <a:t>‹Nr.›</a:t>
+              <a:t>‹#›</a:t>
             </a:fld>
             <a:endParaRPr lang="en-US" dirty="0"/>
           </a:p>
@@ -5103,7 +5108,7 @@
           <a:p>
             <a:fld id="{48A87A34-81AB-432B-8DAE-1953F412C126}" type="datetimeFigureOut">
               <a:rPr lang="en-US" dirty="0"/>
-              <a:t>12/15/2015</a:t>
+              <a:t>12/16/15</a:t>
             </a:fld>
             <a:endParaRPr lang="en-US" dirty="0"/>
           </a:p>
@@ -5145,7 +5150,7 @@
           <a:p>
             <a:fld id="{6D22F896-40B5-4ADD-8801-0D06FADFA095}" type="slidenum">
               <a:rPr lang="en-US" dirty="0"/>
-              <a:t>‹Nr.›</a:t>
+              <a:t>‹#›</a:t>
             </a:fld>
             <a:endParaRPr lang="en-US" dirty="0"/>
           </a:p>
@@ -5532,7 +5537,7 @@
           <a:p>
             <a:fld id="{48A87A34-81AB-432B-8DAE-1953F412C126}" type="datetimeFigureOut">
               <a:rPr lang="en-US" dirty="0"/>
-              <a:t>12/15/2015</a:t>
+              <a:t>12/16/15</a:t>
             </a:fld>
             <a:endParaRPr lang="en-US" dirty="0"/>
           </a:p>
@@ -5574,7 +5579,7 @@
           <a:p>
             <a:fld id="{6D22F896-40B5-4ADD-8801-0D06FADFA095}" type="slidenum">
               <a:rPr lang="en-US" dirty="0"/>
-              <a:t>‹Nr.›</a:t>
+              <a:t>‹#›</a:t>
             </a:fld>
             <a:endParaRPr lang="en-US" dirty="0"/>
           </a:p>
@@ -6073,7 +6078,7 @@
           <a:p>
             <a:fld id="{48A87A34-81AB-432B-8DAE-1953F412C126}" type="datetimeFigureOut">
               <a:rPr lang="en-US" dirty="0"/>
-              <a:t>12/15/2015</a:t>
+              <a:t>12/16/15</a:t>
             </a:fld>
             <a:endParaRPr lang="en-US" dirty="0"/>
           </a:p>
@@ -6115,7 +6120,7 @@
           <a:p>
             <a:fld id="{6D22F896-40B5-4ADD-8801-0D06FADFA095}" type="slidenum">
               <a:rPr lang="en-US" dirty="0"/>
-              <a:t>‹Nr.›</a:t>
+              <a:t>‹#›</a:t>
             </a:fld>
             <a:endParaRPr lang="en-US" dirty="0"/>
           </a:p>
@@ -6788,7 +6793,7 @@
           <a:p>
             <a:fld id="{48A87A34-81AB-432B-8DAE-1953F412C126}" type="datetimeFigureOut">
               <a:rPr lang="en-US" dirty="0"/>
-              <a:t>12/15/2015</a:t>
+              <a:t>12/16/15</a:t>
             </a:fld>
             <a:endParaRPr lang="en-US" dirty="0"/>
           </a:p>
@@ -6830,7 +6835,7 @@
           <a:p>
             <a:fld id="{6D22F896-40B5-4ADD-8801-0D06FADFA095}" type="slidenum">
               <a:rPr lang="en-US" dirty="0"/>
-              <a:t>‹Nr.›</a:t>
+              <a:t>‹#›</a:t>
             </a:fld>
             <a:endParaRPr lang="en-US" dirty="0"/>
           </a:p>
@@ -6953,7 +6958,7 @@
           <a:p>
             <a:fld id="{48A87A34-81AB-432B-8DAE-1953F412C126}" type="datetimeFigureOut">
               <a:rPr lang="en-US" dirty="0"/>
-              <a:t>12/15/2015</a:t>
+              <a:t>12/16/15</a:t>
             </a:fld>
             <a:endParaRPr lang="en-US" dirty="0"/>
           </a:p>
@@ -6995,7 +7000,7 @@
           <a:p>
             <a:fld id="{6D22F896-40B5-4ADD-8801-0D06FADFA095}" type="slidenum">
               <a:rPr lang="en-US" dirty="0"/>
-              <a:t>‹Nr.›</a:t>
+              <a:t>‹#›</a:t>
             </a:fld>
             <a:endParaRPr lang="en-US" dirty="0"/>
           </a:p>
@@ -7128,7 +7133,7 @@
           <a:p>
             <a:fld id="{48A87A34-81AB-432B-8DAE-1953F412C126}" type="datetimeFigureOut">
               <a:rPr lang="en-US" dirty="0"/>
-              <a:t>12/15/2015</a:t>
+              <a:t>12/16/15</a:t>
             </a:fld>
             <a:endParaRPr lang="en-US" dirty="0"/>
           </a:p>
@@ -7170,7 +7175,7 @@
           <a:p>
             <a:fld id="{6D22F896-40B5-4ADD-8801-0D06FADFA095}" type="slidenum">
               <a:rPr lang="en-US" dirty="0"/>
-              <a:t>‹Nr.›</a:t>
+              <a:t>‹#›</a:t>
             </a:fld>
             <a:endParaRPr lang="en-US" dirty="0"/>
           </a:p>
@@ -7293,7 +7298,7 @@
           <a:p>
             <a:fld id="{48A87A34-81AB-432B-8DAE-1953F412C126}" type="datetimeFigureOut">
               <a:rPr lang="en-US" dirty="0"/>
-              <a:t>12/15/2015</a:t>
+              <a:t>12/16/15</a:t>
             </a:fld>
             <a:endParaRPr lang="en-US" dirty="0"/>
           </a:p>
@@ -7335,7 +7340,7 @@
           <a:p>
             <a:fld id="{6D22F896-40B5-4ADD-8801-0D06FADFA095}" type="slidenum">
               <a:rPr lang="en-US" dirty="0"/>
-              <a:t>‹Nr.›</a:t>
+              <a:t>‹#›</a:t>
             </a:fld>
             <a:endParaRPr lang="en-US" dirty="0"/>
           </a:p>
@@ -7538,7 +7543,7 @@
           <a:p>
             <a:fld id="{48A87A34-81AB-432B-8DAE-1953F412C126}" type="datetimeFigureOut">
               <a:rPr lang="en-US" dirty="0"/>
-              <a:t>12/15/2015</a:t>
+              <a:t>12/16/15</a:t>
             </a:fld>
             <a:endParaRPr lang="en-US" dirty="0"/>
           </a:p>
@@ -7580,7 +7585,7 @@
           <a:p>
             <a:fld id="{6D22F896-40B5-4ADD-8801-0D06FADFA095}" type="slidenum">
               <a:rPr lang="en-US" dirty="0"/>
-              <a:t>‹Nr.›</a:t>
+              <a:t>‹#›</a:t>
             </a:fld>
             <a:endParaRPr lang="en-US" dirty="0"/>
           </a:p>
@@ -7765,7 +7770,7 @@
           <a:p>
             <a:fld id="{48A87A34-81AB-432B-8DAE-1953F412C126}" type="datetimeFigureOut">
               <a:rPr lang="en-US" dirty="0"/>
-              <a:t>12/15/2015</a:t>
+              <a:t>12/16/15</a:t>
             </a:fld>
             <a:endParaRPr lang="en-US" dirty="0"/>
           </a:p>
@@ -7807,7 +7812,7 @@
           <a:p>
             <a:fld id="{6D22F896-40B5-4ADD-8801-0D06FADFA095}" type="slidenum">
               <a:rPr lang="en-US" dirty="0"/>
-              <a:t>‹Nr.›</a:t>
+              <a:t>‹#›</a:t>
             </a:fld>
             <a:endParaRPr lang="en-US" dirty="0"/>
           </a:p>
@@ -8141,7 +8146,7 @@
           <a:p>
             <a:fld id="{48A87A34-81AB-432B-8DAE-1953F412C126}" type="datetimeFigureOut">
               <a:rPr lang="en-US" dirty="0"/>
-              <a:t>12/15/2015</a:t>
+              <a:t>12/16/15</a:t>
             </a:fld>
             <a:endParaRPr lang="en-US" dirty="0"/>
           </a:p>
@@ -8183,7 +8188,7 @@
           <a:p>
             <a:fld id="{6D22F896-40B5-4ADD-8801-0D06FADFA095}" type="slidenum">
               <a:rPr lang="en-US" dirty="0"/>
-              <a:t>‹Nr.›</a:t>
+              <a:t>‹#›</a:t>
             </a:fld>
             <a:endParaRPr lang="en-US" dirty="0"/>
           </a:p>
@@ -8254,7 +8259,7 @@
           <a:p>
             <a:fld id="{48A87A34-81AB-432B-8DAE-1953F412C126}" type="datetimeFigureOut">
               <a:rPr lang="en-US" dirty="0"/>
-              <a:t>12/15/2015</a:t>
+              <a:t>12/16/15</a:t>
             </a:fld>
             <a:endParaRPr lang="en-US" dirty="0"/>
           </a:p>
@@ -8296,7 +8301,7 @@
           <a:p>
             <a:fld id="{6D22F896-40B5-4ADD-8801-0D06FADFA095}" type="slidenum">
               <a:rPr lang="en-US" dirty="0"/>
-              <a:t>‹Nr.›</a:t>
+              <a:t>‹#›</a:t>
             </a:fld>
             <a:endParaRPr lang="en-US" dirty="0"/>
           </a:p>
@@ -8344,7 +8349,7 @@
           <a:p>
             <a:fld id="{48A87A34-81AB-432B-8DAE-1953F412C126}" type="datetimeFigureOut">
               <a:rPr lang="en-US" dirty="0"/>
-              <a:t>12/15/2015</a:t>
+              <a:t>12/16/15</a:t>
             </a:fld>
             <a:endParaRPr lang="en-US" dirty="0"/>
           </a:p>
@@ -8386,7 +8391,7 @@
           <a:p>
             <a:fld id="{6D22F896-40B5-4ADD-8801-0D06FADFA095}" type="slidenum">
               <a:rPr lang="en-US" dirty="0"/>
-              <a:t>‹Nr.›</a:t>
+              <a:t>‹#›</a:t>
             </a:fld>
             <a:endParaRPr lang="en-US" dirty="0"/>
           </a:p>
@@ -8588,7 +8593,7 @@
           <a:p>
             <a:fld id="{48A87A34-81AB-432B-8DAE-1953F412C126}" type="datetimeFigureOut">
               <a:rPr lang="en-US" dirty="0"/>
-              <a:t>12/15/2015</a:t>
+              <a:t>12/16/15</a:t>
             </a:fld>
             <a:endParaRPr lang="en-US" dirty="0"/>
           </a:p>
@@ -8630,7 +8635,7 @@
           <a:p>
             <a:fld id="{6D22F896-40B5-4ADD-8801-0D06FADFA095}" type="slidenum">
               <a:rPr lang="en-US" dirty="0"/>
-              <a:t>‹Nr.›</a:t>
+              <a:t>‹#›</a:t>
             </a:fld>
             <a:endParaRPr lang="en-US" dirty="0"/>
           </a:p>
@@ -8863,7 +8868,7 @@
           <a:p>
             <a:fld id="{48A87A34-81AB-432B-8DAE-1953F412C126}" type="datetimeFigureOut">
               <a:rPr lang="en-US" dirty="0"/>
-              <a:t>12/15/2015</a:t>
+              <a:t>12/16/15</a:t>
             </a:fld>
             <a:endParaRPr lang="en-US" dirty="0"/>
           </a:p>
@@ -8905,7 +8910,7 @@
           <a:p>
             <a:fld id="{6D22F896-40B5-4ADD-8801-0D06FADFA095}" type="slidenum">
               <a:rPr lang="en-US" dirty="0"/>
-              <a:t>‹Nr.›</a:t>
+              <a:t>‹#›</a:t>
             </a:fld>
             <a:endParaRPr lang="en-US" dirty="0"/>
           </a:p>
@@ -8981,7 +8986,7 @@
           <a:noFill/>
           <a:extLst>
             <a:ext uri="{909E8E84-426E-40dd-AFC4-6F175D3DCCD1}">
-              <a14:hiddenFill xmlns:a14="http://schemas.microsoft.com/office/drawing/2010/main" xmlns="">
+              <a14:hiddenFill xmlns="" xmlns:a14="http://schemas.microsoft.com/office/drawing/2010/main">
                 <a:solidFill>
                   <a:srgbClr val="FFFFFF"/>
                 </a:solidFill>
@@ -9055,7 +9060,7 @@
               </a:ln>
               <a:extLst>
                 <a:ext uri="{91240B29-F687-4f45-9708-019B960494DF}">
-                  <a14:hiddenLine xmlns:a14="http://schemas.microsoft.com/office/drawing/2010/main" xmlns="" w="9525">
+                  <a14:hiddenLine xmlns="" xmlns:a14="http://schemas.microsoft.com/office/drawing/2010/main" w="9525">
                     <a:solidFill>
                       <a:srgbClr val="000000"/>
                     </a:solidFill>
@@ -9145,7 +9150,7 @@
               </a:ln>
               <a:extLst>
                 <a:ext uri="{91240B29-F687-4f45-9708-019B960494DF}">
-                  <a14:hiddenLine xmlns:a14="http://schemas.microsoft.com/office/drawing/2010/main" xmlns="" w="9525">
+                  <a14:hiddenLine xmlns="" xmlns:a14="http://schemas.microsoft.com/office/drawing/2010/main" w="9525">
                     <a:solidFill>
                       <a:srgbClr val="000000"/>
                     </a:solidFill>
@@ -9235,7 +9240,7 @@
               </a:ln>
               <a:extLst>
                 <a:ext uri="{91240B29-F687-4f45-9708-019B960494DF}">
-                  <a14:hiddenLine xmlns:a14="http://schemas.microsoft.com/office/drawing/2010/main" xmlns="" w="9525">
+                  <a14:hiddenLine xmlns="" xmlns:a14="http://schemas.microsoft.com/office/drawing/2010/main" w="9525">
                     <a:solidFill>
                       <a:srgbClr val="000000"/>
                     </a:solidFill>
@@ -9297,7 +9302,7 @@
               </a:ln>
               <a:extLst>
                 <a:ext uri="{91240B29-F687-4f45-9708-019B960494DF}">
-                  <a14:hiddenLine xmlns:a14="http://schemas.microsoft.com/office/drawing/2010/main" xmlns="" w="9525">
+                  <a14:hiddenLine xmlns="" xmlns:a14="http://schemas.microsoft.com/office/drawing/2010/main" w="9525">
                     <a:solidFill>
                       <a:srgbClr val="000000"/>
                     </a:solidFill>
@@ -9387,7 +9392,7 @@
               </a:ln>
               <a:extLst>
                 <a:ext uri="{91240B29-F687-4f45-9708-019B960494DF}">
-                  <a14:hiddenLine xmlns:a14="http://schemas.microsoft.com/office/drawing/2010/main" xmlns="" w="9525">
+                  <a14:hiddenLine xmlns="" xmlns:a14="http://schemas.microsoft.com/office/drawing/2010/main" w="9525">
                     <a:solidFill>
                       <a:srgbClr val="000000"/>
                     </a:solidFill>
@@ -9449,7 +9454,7 @@
               </a:ln>
               <a:extLst>
                 <a:ext uri="{91240B29-F687-4f45-9708-019B960494DF}">
-                  <a14:hiddenLine xmlns:a14="http://schemas.microsoft.com/office/drawing/2010/main" xmlns="" w="9525">
+                  <a14:hiddenLine xmlns="" xmlns:a14="http://schemas.microsoft.com/office/drawing/2010/main" w="9525">
                     <a:solidFill>
                       <a:srgbClr val="000000"/>
                     </a:solidFill>
@@ -9511,7 +9516,7 @@
               </a:ln>
               <a:extLst>
                 <a:ext uri="{91240B29-F687-4f45-9708-019B960494DF}">
-                  <a14:hiddenLine xmlns:a14="http://schemas.microsoft.com/office/drawing/2010/main" xmlns="" w="9525">
+                  <a14:hiddenLine xmlns="" xmlns:a14="http://schemas.microsoft.com/office/drawing/2010/main" w="9525">
                     <a:solidFill>
                       <a:srgbClr val="000000"/>
                     </a:solidFill>
@@ -9601,7 +9606,7 @@
               </a:ln>
               <a:extLst>
                 <a:ext uri="{91240B29-F687-4f45-9708-019B960494DF}">
-                  <a14:hiddenLine xmlns:a14="http://schemas.microsoft.com/office/drawing/2010/main" xmlns="" w="9525">
+                  <a14:hiddenLine xmlns="" xmlns:a14="http://schemas.microsoft.com/office/drawing/2010/main" w="9525">
                     <a:solidFill>
                       <a:srgbClr val="000000"/>
                     </a:solidFill>
@@ -9691,7 +9696,7 @@
               </a:ln>
               <a:extLst>
                 <a:ext uri="{91240B29-F687-4f45-9708-019B960494DF}">
-                  <a14:hiddenLine xmlns:a14="http://schemas.microsoft.com/office/drawing/2010/main" xmlns="" w="9525">
+                  <a14:hiddenLine xmlns="" xmlns:a14="http://schemas.microsoft.com/office/drawing/2010/main" w="9525">
                     <a:solidFill>
                       <a:srgbClr val="000000"/>
                     </a:solidFill>
@@ -9753,7 +9758,7 @@
               </a:ln>
               <a:extLst>
                 <a:ext uri="{91240B29-F687-4f45-9708-019B960494DF}">
-                  <a14:hiddenLine xmlns:a14="http://schemas.microsoft.com/office/drawing/2010/main" xmlns="" w="9525">
+                  <a14:hiddenLine xmlns="" xmlns:a14="http://schemas.microsoft.com/office/drawing/2010/main" w="9525">
                     <a:solidFill>
                       <a:srgbClr val="000000"/>
                     </a:solidFill>
@@ -9863,7 +9868,7 @@
               </a:ln>
               <a:extLst>
                 <a:ext uri="{91240B29-F687-4f45-9708-019B960494DF}">
-                  <a14:hiddenLine xmlns:a14="http://schemas.microsoft.com/office/drawing/2010/main" xmlns="" w="9525">
+                  <a14:hiddenLine xmlns="" xmlns:a14="http://schemas.microsoft.com/office/drawing/2010/main" w="9525">
                     <a:solidFill>
                       <a:srgbClr val="000000"/>
                     </a:solidFill>
@@ -9947,7 +9952,7 @@
               </a:ln>
               <a:extLst>
                 <a:ext uri="{91240B29-F687-4f45-9708-019B960494DF}">
-                  <a14:hiddenLine xmlns:a14="http://schemas.microsoft.com/office/drawing/2010/main" xmlns="" w="9525">
+                  <a14:hiddenLine xmlns="" xmlns:a14="http://schemas.microsoft.com/office/drawing/2010/main" w="9525">
                     <a:solidFill>
                       <a:srgbClr val="000000"/>
                     </a:solidFill>
@@ -10009,7 +10014,7 @@
               </a:ln>
               <a:extLst>
                 <a:ext uri="{91240B29-F687-4f45-9708-019B960494DF}">
-                  <a14:hiddenLine xmlns:a14="http://schemas.microsoft.com/office/drawing/2010/main" xmlns="" w="9525">
+                  <a14:hiddenLine xmlns="" xmlns:a14="http://schemas.microsoft.com/office/drawing/2010/main" w="9525">
                     <a:solidFill>
                       <a:srgbClr val="000000"/>
                     </a:solidFill>
@@ -10071,7 +10076,7 @@
               </a:ln>
               <a:extLst>
                 <a:ext uri="{91240B29-F687-4f45-9708-019B960494DF}">
-                  <a14:hiddenLine xmlns:a14="http://schemas.microsoft.com/office/drawing/2010/main" xmlns="" w="9525">
+                  <a14:hiddenLine xmlns="" xmlns:a14="http://schemas.microsoft.com/office/drawing/2010/main" w="9525">
                     <a:solidFill>
                       <a:srgbClr val="000000"/>
                     </a:solidFill>
@@ -10161,7 +10166,7 @@
               </a:ln>
               <a:extLst>
                 <a:ext uri="{91240B29-F687-4f45-9708-019B960494DF}">
-                  <a14:hiddenLine xmlns:a14="http://schemas.microsoft.com/office/drawing/2010/main" xmlns="" w="9525">
+                  <a14:hiddenLine xmlns="" xmlns:a14="http://schemas.microsoft.com/office/drawing/2010/main" w="9525">
                     <a:solidFill>
                       <a:srgbClr val="000000"/>
                     </a:solidFill>
@@ -10195,7 +10200,7 @@
               </a:ln>
               <a:extLst>
                 <a:ext uri="{91240B29-F687-4f45-9708-019B960494DF}">
-                  <a14:hiddenLine xmlns:a14="http://schemas.microsoft.com/office/drawing/2010/main" xmlns="" w="9525">
+                  <a14:hiddenLine xmlns="" xmlns:a14="http://schemas.microsoft.com/office/drawing/2010/main" w="9525">
                     <a:solidFill>
                       <a:srgbClr val="000000"/>
                     </a:solidFill>
@@ -10260,7 +10265,7 @@
               </a:ln>
               <a:extLst>
                 <a:ext uri="{91240B29-F687-4f45-9708-019B960494DF}">
-                  <a14:hiddenLine xmlns:a14="http://schemas.microsoft.com/office/drawing/2010/main" xmlns="" w="9525">
+                  <a14:hiddenLine xmlns="" xmlns:a14="http://schemas.microsoft.com/office/drawing/2010/main" w="9525">
                     <a:solidFill>
                       <a:srgbClr val="000000"/>
                     </a:solidFill>
@@ -10350,7 +10355,7 @@
               </a:ln>
               <a:extLst>
                 <a:ext uri="{91240B29-F687-4f45-9708-019B960494DF}">
-                  <a14:hiddenLine xmlns:a14="http://schemas.microsoft.com/office/drawing/2010/main" xmlns="" w="9525">
+                  <a14:hiddenLine xmlns="" xmlns:a14="http://schemas.microsoft.com/office/drawing/2010/main" w="9525">
                     <a:solidFill>
                       <a:srgbClr val="000000"/>
                     </a:solidFill>
@@ -10412,7 +10417,7 @@
               </a:ln>
               <a:extLst>
                 <a:ext uri="{91240B29-F687-4f45-9708-019B960494DF}">
-                  <a14:hiddenLine xmlns:a14="http://schemas.microsoft.com/office/drawing/2010/main" xmlns="" w="9525">
+                  <a14:hiddenLine xmlns="" xmlns:a14="http://schemas.microsoft.com/office/drawing/2010/main" w="9525">
                     <a:solidFill>
                       <a:srgbClr val="000000"/>
                     </a:solidFill>
@@ -10502,7 +10507,7 @@
               </a:ln>
               <a:extLst>
                 <a:ext uri="{91240B29-F687-4f45-9708-019B960494DF}">
-                  <a14:hiddenLine xmlns:a14="http://schemas.microsoft.com/office/drawing/2010/main" xmlns="" w="9525">
+                  <a14:hiddenLine xmlns="" xmlns:a14="http://schemas.microsoft.com/office/drawing/2010/main" w="9525">
                     <a:solidFill>
                       <a:srgbClr val="000000"/>
                     </a:solidFill>
@@ -10567,7 +10572,7 @@
               </a:ln>
               <a:extLst>
                 <a:ext uri="{91240B29-F687-4f45-9708-019B960494DF}">
-                  <a14:hiddenLine xmlns:a14="http://schemas.microsoft.com/office/drawing/2010/main" xmlns="" w="9525">
+                  <a14:hiddenLine xmlns="" xmlns:a14="http://schemas.microsoft.com/office/drawing/2010/main" w="9525">
                     <a:solidFill>
                       <a:srgbClr val="000000"/>
                     </a:solidFill>
@@ -10629,7 +10634,7 @@
               </a:ln>
               <a:extLst>
                 <a:ext uri="{91240B29-F687-4f45-9708-019B960494DF}">
-                  <a14:hiddenLine xmlns:a14="http://schemas.microsoft.com/office/drawing/2010/main" xmlns="" w="9525">
+                  <a14:hiddenLine xmlns="" xmlns:a14="http://schemas.microsoft.com/office/drawing/2010/main" w="9525">
                     <a:solidFill>
                       <a:srgbClr val="000000"/>
                     </a:solidFill>
@@ -10719,7 +10724,7 @@
               </a:ln>
               <a:extLst>
                 <a:ext uri="{91240B29-F687-4f45-9708-019B960494DF}">
-                  <a14:hiddenLine xmlns:a14="http://schemas.microsoft.com/office/drawing/2010/main" xmlns="" w="9525">
+                  <a14:hiddenLine xmlns="" xmlns:a14="http://schemas.microsoft.com/office/drawing/2010/main" w="9525">
                     <a:solidFill>
                       <a:srgbClr val="000000"/>
                     </a:solidFill>
@@ -10809,7 +10814,7 @@
               </a:ln>
               <a:extLst>
                 <a:ext uri="{91240B29-F687-4f45-9708-019B960494DF}">
-                  <a14:hiddenLine xmlns:a14="http://schemas.microsoft.com/office/drawing/2010/main" xmlns="" w="9525">
+                  <a14:hiddenLine xmlns="" xmlns:a14="http://schemas.microsoft.com/office/drawing/2010/main" w="9525">
                     <a:solidFill>
                       <a:srgbClr val="000000"/>
                     </a:solidFill>
@@ -10874,7 +10879,7 @@
               </a:ln>
               <a:extLst>
                 <a:ext uri="{91240B29-F687-4f45-9708-019B960494DF}">
-                  <a14:hiddenLine xmlns:a14="http://schemas.microsoft.com/office/drawing/2010/main" xmlns="" w="9525">
+                  <a14:hiddenLine xmlns="" xmlns:a14="http://schemas.microsoft.com/office/drawing/2010/main" w="9525">
                     <a:solidFill>
                       <a:srgbClr val="000000"/>
                     </a:solidFill>
@@ -10994,7 +10999,7 @@
               </a:ln>
               <a:extLst>
                 <a:ext uri="{91240B29-F687-4f45-9708-019B960494DF}">
-                  <a14:hiddenLine xmlns:a14="http://schemas.microsoft.com/office/drawing/2010/main" xmlns="" w="9525">
+                  <a14:hiddenLine xmlns="" xmlns:a14="http://schemas.microsoft.com/office/drawing/2010/main" w="9525">
                     <a:solidFill>
                       <a:srgbClr val="000000"/>
                     </a:solidFill>
@@ -11092,7 +11097,7 @@
               </a:ln>
               <a:extLst>
                 <a:ext uri="{91240B29-F687-4f45-9708-019B960494DF}">
-                  <a14:hiddenLine xmlns:a14="http://schemas.microsoft.com/office/drawing/2010/main" xmlns="" w="9525">
+                  <a14:hiddenLine xmlns="" xmlns:a14="http://schemas.microsoft.com/office/drawing/2010/main" w="9525">
                     <a:solidFill>
                       <a:srgbClr val="000000"/>
                     </a:solidFill>
@@ -11207,7 +11212,7 @@
               </a:ln>
               <a:extLst>
                 <a:ext uri="{91240B29-F687-4f45-9708-019B960494DF}">
-                  <a14:hiddenLine xmlns:a14="http://schemas.microsoft.com/office/drawing/2010/main" xmlns="" w="9525">
+                  <a14:hiddenLine xmlns="" xmlns:a14="http://schemas.microsoft.com/office/drawing/2010/main" w="9525">
                     <a:solidFill>
                       <a:srgbClr val="000000"/>
                     </a:solidFill>
@@ -11297,7 +11302,7 @@
               </a:ln>
               <a:extLst>
                 <a:ext uri="{91240B29-F687-4f45-9708-019B960494DF}">
-                  <a14:hiddenLine xmlns:a14="http://schemas.microsoft.com/office/drawing/2010/main" xmlns="" w="9525">
+                  <a14:hiddenLine xmlns="" xmlns:a14="http://schemas.microsoft.com/office/drawing/2010/main" w="9525">
                     <a:solidFill>
                       <a:srgbClr val="000000"/>
                     </a:solidFill>
@@ -11362,7 +11367,7 @@
               </a:ln>
               <a:extLst>
                 <a:ext uri="{91240B29-F687-4f45-9708-019B960494DF}">
-                  <a14:hiddenLine xmlns:a14="http://schemas.microsoft.com/office/drawing/2010/main" xmlns="" w="9525">
+                  <a14:hiddenLine xmlns="" xmlns:a14="http://schemas.microsoft.com/office/drawing/2010/main" w="9525">
                     <a:solidFill>
                       <a:srgbClr val="000000"/>
                     </a:solidFill>
@@ -11452,7 +11457,7 @@
               </a:ln>
               <a:extLst>
                 <a:ext uri="{91240B29-F687-4f45-9708-019B960494DF}">
-                  <a14:hiddenLine xmlns:a14="http://schemas.microsoft.com/office/drawing/2010/main" xmlns="" w="9525">
+                  <a14:hiddenLine xmlns="" xmlns:a14="http://schemas.microsoft.com/office/drawing/2010/main" w="9525">
                     <a:solidFill>
                       <a:srgbClr val="000000"/>
                     </a:solidFill>
@@ -11520,7 +11525,7 @@
               </a:ln>
               <a:extLst>
                 <a:ext uri="{91240B29-F687-4f45-9708-019B960494DF}">
-                  <a14:hiddenLine xmlns:a14="http://schemas.microsoft.com/office/drawing/2010/main" xmlns="" w="9525">
+                  <a14:hiddenLine xmlns="" xmlns:a14="http://schemas.microsoft.com/office/drawing/2010/main" w="9525">
                     <a:solidFill>
                       <a:srgbClr val="000000"/>
                     </a:solidFill>
@@ -11610,7 +11615,7 @@
               </a:ln>
               <a:extLst>
                 <a:ext uri="{91240B29-F687-4f45-9708-019B960494DF}">
-                  <a14:hiddenLine xmlns:a14="http://schemas.microsoft.com/office/drawing/2010/main" xmlns="" w="9525">
+                  <a14:hiddenLine xmlns="" xmlns:a14="http://schemas.microsoft.com/office/drawing/2010/main" w="9525">
                     <a:solidFill>
                       <a:srgbClr val="000000"/>
                     </a:solidFill>
@@ -11678,7 +11683,7 @@
               </a:ln>
               <a:extLst>
                 <a:ext uri="{91240B29-F687-4f45-9708-019B960494DF}">
-                  <a14:hiddenLine xmlns:a14="http://schemas.microsoft.com/office/drawing/2010/main" xmlns="" w="9525">
+                  <a14:hiddenLine xmlns="" xmlns:a14="http://schemas.microsoft.com/office/drawing/2010/main" w="9525">
                     <a:solidFill>
                       <a:srgbClr val="000000"/>
                     </a:solidFill>
@@ -11768,7 +11773,7 @@
               </a:ln>
               <a:extLst>
                 <a:ext uri="{91240B29-F687-4f45-9708-019B960494DF}">
-                  <a14:hiddenLine xmlns:a14="http://schemas.microsoft.com/office/drawing/2010/main" xmlns="" w="9525">
+                  <a14:hiddenLine xmlns="" xmlns:a14="http://schemas.microsoft.com/office/drawing/2010/main" w="9525">
                     <a:solidFill>
                       <a:srgbClr val="000000"/>
                     </a:solidFill>
@@ -11802,7 +11807,7 @@
               </a:ln>
               <a:extLst>
                 <a:ext uri="{91240B29-F687-4f45-9708-019B960494DF}">
-                  <a14:hiddenLine xmlns:a14="http://schemas.microsoft.com/office/drawing/2010/main" xmlns="" w="9525">
+                  <a14:hiddenLine xmlns="" xmlns:a14="http://schemas.microsoft.com/office/drawing/2010/main" w="9525">
                     <a:solidFill>
                       <a:srgbClr val="000000"/>
                     </a:solidFill>
@@ -11943,7 +11948,7 @@
             <a:fld id="{48A87A34-81AB-432B-8DAE-1953F412C126}" type="datetimeFigureOut">
               <a:rPr lang="en-US" dirty="0"/>
               <a:pPr/>
-              <a:t>12/15/2015</a:t>
+              <a:t>12/16/15</a:t>
             </a:fld>
             <a:endParaRPr lang="en-US" dirty="0"/>
           </a:p>
@@ -12022,7 +12027,7 @@
             <a:fld id="{6D22F896-40B5-4ADD-8801-0D06FADFA095}" type="slidenum">
               <a:rPr lang="en-US" dirty="0"/>
               <a:pPr/>
-              <a:t>‹Nr.›</a:t>
+              <a:t>‹#›</a:t>
             </a:fld>
             <a:endParaRPr lang="en-US" dirty="0"/>
           </a:p>
@@ -12482,12 +12487,12 @@
           <a:p>
             <a:pPr algn="ctr"/>
             <a:r>
-              <a:rPr lang="de-DE" dirty="0" err="1" smtClean="0"/>
-              <a:t>Ferdinant</a:t>
+              <a:rPr lang="de-DE" smtClean="0"/>
+              <a:t>FerdinanD </a:t>
             </a:r>
             <a:r>
               <a:rPr lang="de-DE" dirty="0" smtClean="0"/>
-              <a:t> Birk, Lukas Stöferle, Marius Kircher</a:t>
+              <a:t>Birk, Lukas Stöferle, Marius Kircher</a:t>
             </a:r>
             <a:endParaRPr lang="de-DE" dirty="0"/>
           </a:p>

--- a/FancyQuartettDatenmodell/Datenmodell_PPT.pptx
+++ b/FancyQuartettDatenmodell/Datenmodell_PPT.pptx
@@ -6,8 +6,9 @@
   </p:sldMasterIdLst>
   <p:sldIdLst>
     <p:sldId id="256" r:id="rId2"/>
-    <p:sldId id="257" r:id="rId3"/>
-    <p:sldId id="258" r:id="rId4"/>
+    <p:sldId id="259" r:id="rId3"/>
+    <p:sldId id="257" r:id="rId4"/>
+    <p:sldId id="258" r:id="rId5"/>
   </p:sldIdLst>
   <p:sldSz cx="12192000" cy="6858000"/>
   <p:notesSz cx="6858000" cy="9144000"/>
@@ -171,7 +172,7 @@
           <a:noFill/>
           <a:extLst>
             <a:ext uri="{909E8E84-426E-40dd-AFC4-6F175D3DCCD1}">
-              <a14:hiddenFill xmlns="" xmlns:a14="http://schemas.microsoft.com/office/drawing/2010/main">
+              <a14:hiddenFill xmlns:a14="http://schemas.microsoft.com/office/drawing/2010/main" xmlns="">
                 <a:solidFill>
                   <a:srgbClr val="FFFFFF"/>
                 </a:solidFill>
@@ -231,7 +232,7 @@
             </a:ln>
             <a:extLst>
               <a:ext uri="{91240B29-F687-4f45-9708-019B960494DF}">
-                <a14:hiddenLine xmlns="" xmlns:a14="http://schemas.microsoft.com/office/drawing/2010/main" w="9525">
+                <a14:hiddenLine xmlns:a14="http://schemas.microsoft.com/office/drawing/2010/main" xmlns="" w="9525">
                   <a:solidFill>
                     <a:srgbClr val="000000"/>
                   </a:solidFill>
@@ -321,7 +322,7 @@
             </a:ln>
             <a:extLst>
               <a:ext uri="{91240B29-F687-4f45-9708-019B960494DF}">
-                <a14:hiddenLine xmlns="" xmlns:a14="http://schemas.microsoft.com/office/drawing/2010/main" w="9525">
+                <a14:hiddenLine xmlns:a14="http://schemas.microsoft.com/office/drawing/2010/main" xmlns="" w="9525">
                   <a:solidFill>
                     <a:srgbClr val="000000"/>
                   </a:solidFill>
@@ -411,7 +412,7 @@
             </a:ln>
             <a:extLst>
               <a:ext uri="{91240B29-F687-4f45-9708-019B960494DF}">
-                <a14:hiddenLine xmlns="" xmlns:a14="http://schemas.microsoft.com/office/drawing/2010/main" w="9525">
+                <a14:hiddenLine xmlns:a14="http://schemas.microsoft.com/office/drawing/2010/main" xmlns="" w="9525">
                   <a:solidFill>
                     <a:srgbClr val="000000"/>
                   </a:solidFill>
@@ -445,7 +446,7 @@
             </a:ln>
             <a:extLst>
               <a:ext uri="{91240B29-F687-4f45-9708-019B960494DF}">
-                <a14:hiddenLine xmlns="" xmlns:a14="http://schemas.microsoft.com/office/drawing/2010/main" w="9525">
+                <a14:hiddenLine xmlns:a14="http://schemas.microsoft.com/office/drawing/2010/main" xmlns="" w="9525">
                   <a:solidFill>
                     <a:srgbClr val="000000"/>
                   </a:solidFill>
@@ -535,7 +536,7 @@
             </a:ln>
             <a:extLst>
               <a:ext uri="{91240B29-F687-4f45-9708-019B960494DF}">
-                <a14:hiddenLine xmlns="" xmlns:a14="http://schemas.microsoft.com/office/drawing/2010/main" w="9525">
+                <a14:hiddenLine xmlns:a14="http://schemas.microsoft.com/office/drawing/2010/main" xmlns="" w="9525">
                   <a:solidFill>
                     <a:srgbClr val="000000"/>
                   </a:solidFill>
@@ -597,7 +598,7 @@
             </a:ln>
             <a:extLst>
               <a:ext uri="{91240B29-F687-4f45-9708-019B960494DF}">
-                <a14:hiddenLine xmlns="" xmlns:a14="http://schemas.microsoft.com/office/drawing/2010/main" w="9525">
+                <a14:hiddenLine xmlns:a14="http://schemas.microsoft.com/office/drawing/2010/main" xmlns="" w="9525">
                   <a:solidFill>
                     <a:srgbClr val="000000"/>
                   </a:solidFill>
@@ -659,7 +660,7 @@
             </a:ln>
             <a:extLst>
               <a:ext uri="{91240B29-F687-4f45-9708-019B960494DF}">
-                <a14:hiddenLine xmlns="" xmlns:a14="http://schemas.microsoft.com/office/drawing/2010/main" w="9525">
+                <a14:hiddenLine xmlns:a14="http://schemas.microsoft.com/office/drawing/2010/main" xmlns="" w="9525">
                   <a:solidFill>
                     <a:srgbClr val="000000"/>
                   </a:solidFill>
@@ -749,7 +750,7 @@
             </a:ln>
             <a:extLst>
               <a:ext uri="{91240B29-F687-4f45-9708-019B960494DF}">
-                <a14:hiddenLine xmlns="" xmlns:a14="http://schemas.microsoft.com/office/drawing/2010/main" w="9525">
+                <a14:hiddenLine xmlns:a14="http://schemas.microsoft.com/office/drawing/2010/main" xmlns="" w="9525">
                   <a:solidFill>
                     <a:srgbClr val="000000"/>
                   </a:solidFill>
@@ -811,7 +812,7 @@
             </a:ln>
             <a:extLst>
               <a:ext uri="{91240B29-F687-4f45-9708-019B960494DF}">
-                <a14:hiddenLine xmlns="" xmlns:a14="http://schemas.microsoft.com/office/drawing/2010/main" w="9525">
+                <a14:hiddenLine xmlns:a14="http://schemas.microsoft.com/office/drawing/2010/main" xmlns="" w="9525">
                   <a:solidFill>
                     <a:srgbClr val="000000"/>
                   </a:solidFill>
@@ -873,7 +874,7 @@
             </a:ln>
             <a:extLst>
               <a:ext uri="{91240B29-F687-4f45-9708-019B960494DF}">
-                <a14:hiddenLine xmlns="" xmlns:a14="http://schemas.microsoft.com/office/drawing/2010/main" w="9525">
+                <a14:hiddenLine xmlns:a14="http://schemas.microsoft.com/office/drawing/2010/main" xmlns="" w="9525">
                   <a:solidFill>
                     <a:srgbClr val="000000"/>
                   </a:solidFill>
@@ -963,7 +964,7 @@
             </a:ln>
             <a:extLst>
               <a:ext uri="{91240B29-F687-4f45-9708-019B960494DF}">
-                <a14:hiddenLine xmlns="" xmlns:a14="http://schemas.microsoft.com/office/drawing/2010/main" w="9525">
+                <a14:hiddenLine xmlns:a14="http://schemas.microsoft.com/office/drawing/2010/main" xmlns="" w="9525">
                   <a:solidFill>
                     <a:srgbClr val="000000"/>
                   </a:solidFill>
@@ -1053,7 +1054,7 @@
             </a:ln>
             <a:extLst>
               <a:ext uri="{91240B29-F687-4f45-9708-019B960494DF}">
-                <a14:hiddenLine xmlns="" xmlns:a14="http://schemas.microsoft.com/office/drawing/2010/main" w="9525">
+                <a14:hiddenLine xmlns:a14="http://schemas.microsoft.com/office/drawing/2010/main" xmlns="" w="9525">
                   <a:solidFill>
                     <a:srgbClr val="000000"/>
                   </a:solidFill>
@@ -1115,7 +1116,7 @@
             </a:ln>
             <a:extLst>
               <a:ext uri="{91240B29-F687-4f45-9708-019B960494DF}">
-                <a14:hiddenLine xmlns="" xmlns:a14="http://schemas.microsoft.com/office/drawing/2010/main" w="9525">
+                <a14:hiddenLine xmlns:a14="http://schemas.microsoft.com/office/drawing/2010/main" xmlns="" w="9525">
                   <a:solidFill>
                     <a:srgbClr val="000000"/>
                   </a:solidFill>
@@ -1225,7 +1226,7 @@
             </a:ln>
             <a:extLst>
               <a:ext uri="{91240B29-F687-4f45-9708-019B960494DF}">
-                <a14:hiddenLine xmlns="" xmlns:a14="http://schemas.microsoft.com/office/drawing/2010/main" w="9525">
+                <a14:hiddenLine xmlns:a14="http://schemas.microsoft.com/office/drawing/2010/main" xmlns="" w="9525">
                   <a:solidFill>
                     <a:srgbClr val="000000"/>
                   </a:solidFill>
@@ -1287,7 +1288,7 @@
             </a:ln>
             <a:extLst>
               <a:ext uri="{91240B29-F687-4f45-9708-019B960494DF}">
-                <a14:hiddenLine xmlns="" xmlns:a14="http://schemas.microsoft.com/office/drawing/2010/main" w="9525">
+                <a14:hiddenLine xmlns:a14="http://schemas.microsoft.com/office/drawing/2010/main" xmlns="" w="9525">
                   <a:solidFill>
                     <a:srgbClr val="000000"/>
                   </a:solidFill>
@@ -1377,7 +1378,7 @@
             </a:ln>
             <a:extLst>
               <a:ext uri="{91240B29-F687-4f45-9708-019B960494DF}">
-                <a14:hiddenLine xmlns="" xmlns:a14="http://schemas.microsoft.com/office/drawing/2010/main" w="9525">
+                <a14:hiddenLine xmlns:a14="http://schemas.microsoft.com/office/drawing/2010/main" xmlns="" w="9525">
                   <a:solidFill>
                     <a:srgbClr val="000000"/>
                   </a:solidFill>
@@ -1467,7 +1468,7 @@
             </a:ln>
             <a:extLst>
               <a:ext uri="{91240B29-F687-4f45-9708-019B960494DF}">
-                <a14:hiddenLine xmlns="" xmlns:a14="http://schemas.microsoft.com/office/drawing/2010/main" w="9525">
+                <a14:hiddenLine xmlns:a14="http://schemas.microsoft.com/office/drawing/2010/main" xmlns="" w="9525">
                   <a:solidFill>
                     <a:srgbClr val="000000"/>
                   </a:solidFill>
@@ -1529,7 +1530,7 @@
             </a:ln>
             <a:extLst>
               <a:ext uri="{91240B29-F687-4f45-9708-019B960494DF}">
-                <a14:hiddenLine xmlns="" xmlns:a14="http://schemas.microsoft.com/office/drawing/2010/main" w="9525">
+                <a14:hiddenLine xmlns:a14="http://schemas.microsoft.com/office/drawing/2010/main" xmlns="" w="9525">
                   <a:solidFill>
                     <a:srgbClr val="000000"/>
                   </a:solidFill>
@@ -1619,7 +1620,7 @@
             </a:ln>
             <a:extLst>
               <a:ext uri="{91240B29-F687-4f45-9708-019B960494DF}">
-                <a14:hiddenLine xmlns="" xmlns:a14="http://schemas.microsoft.com/office/drawing/2010/main" w="9525">
+                <a14:hiddenLine xmlns:a14="http://schemas.microsoft.com/office/drawing/2010/main" xmlns="" w="9525">
                   <a:solidFill>
                     <a:srgbClr val="000000"/>
                   </a:solidFill>
@@ -1709,7 +1710,7 @@
             </a:ln>
             <a:extLst>
               <a:ext uri="{91240B29-F687-4f45-9708-019B960494DF}">
-                <a14:hiddenLine xmlns="" xmlns:a14="http://schemas.microsoft.com/office/drawing/2010/main" w="9525">
+                <a14:hiddenLine xmlns:a14="http://schemas.microsoft.com/office/drawing/2010/main" xmlns="" w="9525">
                   <a:solidFill>
                     <a:srgbClr val="000000"/>
                   </a:solidFill>
@@ -1765,7 +1766,7 @@
             </a:ln>
             <a:extLst>
               <a:ext uri="{91240B29-F687-4f45-9708-019B960494DF}">
-                <a14:hiddenLine xmlns="" xmlns:a14="http://schemas.microsoft.com/office/drawing/2010/main" w="9525">
+                <a14:hiddenLine xmlns:a14="http://schemas.microsoft.com/office/drawing/2010/main" xmlns="" w="9525">
                   <a:solidFill>
                     <a:srgbClr val="000000"/>
                   </a:solidFill>
@@ -1855,7 +1856,7 @@
             </a:ln>
             <a:extLst>
               <a:ext uri="{91240B29-F687-4f45-9708-019B960494DF}">
-                <a14:hiddenLine xmlns="" xmlns:a14="http://schemas.microsoft.com/office/drawing/2010/main" w="9525">
+                <a14:hiddenLine xmlns:a14="http://schemas.microsoft.com/office/drawing/2010/main" xmlns="" w="9525">
                   <a:solidFill>
                     <a:srgbClr val="000000"/>
                   </a:solidFill>
@@ -1911,7 +1912,7 @@
             </a:ln>
             <a:extLst>
               <a:ext uri="{91240B29-F687-4f45-9708-019B960494DF}">
-                <a14:hiddenLine xmlns="" xmlns:a14="http://schemas.microsoft.com/office/drawing/2010/main" w="9525">
+                <a14:hiddenLine xmlns:a14="http://schemas.microsoft.com/office/drawing/2010/main" xmlns="" w="9525">
                   <a:solidFill>
                     <a:srgbClr val="000000"/>
                   </a:solidFill>
@@ -2001,7 +2002,7 @@
             </a:ln>
             <a:extLst>
               <a:ext uri="{91240B29-F687-4f45-9708-019B960494DF}">
-                <a14:hiddenLine xmlns="" xmlns:a14="http://schemas.microsoft.com/office/drawing/2010/main" w="9525">
+                <a14:hiddenLine xmlns:a14="http://schemas.microsoft.com/office/drawing/2010/main" xmlns="" w="9525">
                   <a:solidFill>
                     <a:srgbClr val="000000"/>
                   </a:solidFill>
@@ -2069,7 +2070,7 @@
             </a:ln>
             <a:extLst>
               <a:ext uri="{91240B29-F687-4f45-9708-019B960494DF}">
-                <a14:hiddenLine xmlns="" xmlns:a14="http://schemas.microsoft.com/office/drawing/2010/main" w="9525">
+                <a14:hiddenLine xmlns:a14="http://schemas.microsoft.com/office/drawing/2010/main" xmlns="" w="9525">
                   <a:solidFill>
                     <a:srgbClr val="000000"/>
                   </a:solidFill>
@@ -2159,7 +2160,7 @@
             </a:ln>
             <a:extLst>
               <a:ext uri="{91240B29-F687-4f45-9708-019B960494DF}">
-                <a14:hiddenLine xmlns="" xmlns:a14="http://schemas.microsoft.com/office/drawing/2010/main" w="9525">
+                <a14:hiddenLine xmlns:a14="http://schemas.microsoft.com/office/drawing/2010/main" xmlns="" w="9525">
                   <a:solidFill>
                     <a:srgbClr val="000000"/>
                   </a:solidFill>
@@ -2227,7 +2228,7 @@
             </a:ln>
             <a:extLst>
               <a:ext uri="{91240B29-F687-4f45-9708-019B960494DF}">
-                <a14:hiddenLine xmlns="" xmlns:a14="http://schemas.microsoft.com/office/drawing/2010/main" w="9525">
+                <a14:hiddenLine xmlns:a14="http://schemas.microsoft.com/office/drawing/2010/main" xmlns="" w="9525">
                   <a:solidFill>
                     <a:srgbClr val="000000"/>
                   </a:solidFill>
@@ -2317,7 +2318,7 @@
             </a:ln>
             <a:extLst>
               <a:ext uri="{91240B29-F687-4f45-9708-019B960494DF}">
-                <a14:hiddenLine xmlns="" xmlns:a14="http://schemas.microsoft.com/office/drawing/2010/main" w="9525">
+                <a14:hiddenLine xmlns:a14="http://schemas.microsoft.com/office/drawing/2010/main" xmlns="" w="9525">
                   <a:solidFill>
                     <a:srgbClr val="000000"/>
                   </a:solidFill>
@@ -2351,7 +2352,7 @@
             </a:ln>
             <a:extLst>
               <a:ext uri="{91240B29-F687-4f45-9708-019B960494DF}">
-                <a14:hiddenLine xmlns="" xmlns:a14="http://schemas.microsoft.com/office/drawing/2010/main" w="9525">
+                <a14:hiddenLine xmlns:a14="http://schemas.microsoft.com/office/drawing/2010/main" xmlns="" w="9525">
                   <a:solidFill>
                     <a:srgbClr val="000000"/>
                   </a:solidFill>
@@ -2441,7 +2442,7 @@
             </a:ln>
             <a:extLst>
               <a:ext uri="{91240B29-F687-4f45-9708-019B960494DF}">
-                <a14:hiddenLine xmlns="" xmlns:a14="http://schemas.microsoft.com/office/drawing/2010/main" w="9525">
+                <a14:hiddenLine xmlns:a14="http://schemas.microsoft.com/office/drawing/2010/main" xmlns="" w="9525">
                   <a:solidFill>
                     <a:srgbClr val="000000"/>
                   </a:solidFill>
@@ -2503,7 +2504,7 @@
             </a:ln>
             <a:extLst>
               <a:ext uri="{91240B29-F687-4f45-9708-019B960494DF}">
-                <a14:hiddenLine xmlns="" xmlns:a14="http://schemas.microsoft.com/office/drawing/2010/main" w="9525">
+                <a14:hiddenLine xmlns:a14="http://schemas.microsoft.com/office/drawing/2010/main" xmlns="" w="9525">
                   <a:solidFill>
                     <a:srgbClr val="000000"/>
                   </a:solidFill>
@@ -2565,7 +2566,7 @@
             </a:ln>
             <a:extLst>
               <a:ext uri="{91240B29-F687-4f45-9708-019B960494DF}">
-                <a14:hiddenLine xmlns="" xmlns:a14="http://schemas.microsoft.com/office/drawing/2010/main" w="9525">
+                <a14:hiddenLine xmlns:a14="http://schemas.microsoft.com/office/drawing/2010/main" xmlns="" w="9525">
                   <a:solidFill>
                     <a:srgbClr val="000000"/>
                   </a:solidFill>
@@ -2655,7 +2656,7 @@
             </a:ln>
             <a:extLst>
               <a:ext uri="{91240B29-F687-4f45-9708-019B960494DF}">
-                <a14:hiddenLine xmlns="" xmlns:a14="http://schemas.microsoft.com/office/drawing/2010/main" w="9525">
+                <a14:hiddenLine xmlns:a14="http://schemas.microsoft.com/office/drawing/2010/main" xmlns="" w="9525">
                   <a:solidFill>
                     <a:srgbClr val="000000"/>
                   </a:solidFill>
@@ -2723,7 +2724,7 @@
             </a:ln>
             <a:extLst>
               <a:ext uri="{91240B29-F687-4f45-9708-019B960494DF}">
-                <a14:hiddenLine xmlns="" xmlns:a14="http://schemas.microsoft.com/office/drawing/2010/main" w="9525">
+                <a14:hiddenLine xmlns:a14="http://schemas.microsoft.com/office/drawing/2010/main" xmlns="" w="9525">
                   <a:solidFill>
                     <a:srgbClr val="000000"/>
                   </a:solidFill>
@@ -2785,7 +2786,7 @@
             </a:ln>
             <a:extLst>
               <a:ext uri="{91240B29-F687-4f45-9708-019B960494DF}">
-                <a14:hiddenLine xmlns="" xmlns:a14="http://schemas.microsoft.com/office/drawing/2010/main" w="9525">
+                <a14:hiddenLine xmlns:a14="http://schemas.microsoft.com/office/drawing/2010/main" xmlns="" w="9525">
                   <a:solidFill>
                     <a:srgbClr val="000000"/>
                   </a:solidFill>
@@ -2875,7 +2876,7 @@
             </a:ln>
             <a:extLst>
               <a:ext uri="{91240B29-F687-4f45-9708-019B960494DF}">
-                <a14:hiddenLine xmlns="" xmlns:a14="http://schemas.microsoft.com/office/drawing/2010/main" w="9525">
+                <a14:hiddenLine xmlns:a14="http://schemas.microsoft.com/office/drawing/2010/main" xmlns="" w="9525">
                   <a:solidFill>
                     <a:srgbClr val="000000"/>
                   </a:solidFill>
@@ -2937,7 +2938,7 @@
             </a:ln>
             <a:extLst>
               <a:ext uri="{91240B29-F687-4f45-9708-019B960494DF}">
-                <a14:hiddenLine xmlns="" xmlns:a14="http://schemas.microsoft.com/office/drawing/2010/main" w="9525">
+                <a14:hiddenLine xmlns:a14="http://schemas.microsoft.com/office/drawing/2010/main" xmlns="" w="9525">
                   <a:solidFill>
                     <a:srgbClr val="000000"/>
                   </a:solidFill>
@@ -3027,7 +3028,7 @@
             </a:ln>
             <a:extLst>
               <a:ext uri="{91240B29-F687-4f45-9708-019B960494DF}">
-                <a14:hiddenLine xmlns="" xmlns:a14="http://schemas.microsoft.com/office/drawing/2010/main" w="9525">
+                <a14:hiddenLine xmlns:a14="http://schemas.microsoft.com/office/drawing/2010/main" xmlns="" w="9525">
                   <a:solidFill>
                     <a:srgbClr val="000000"/>
                   </a:solidFill>
@@ -3089,7 +3090,7 @@
             </a:ln>
             <a:extLst>
               <a:ext uri="{91240B29-F687-4f45-9708-019B960494DF}">
-                <a14:hiddenLine xmlns="" xmlns:a14="http://schemas.microsoft.com/office/drawing/2010/main" w="9525">
+                <a14:hiddenLine xmlns:a14="http://schemas.microsoft.com/office/drawing/2010/main" xmlns="" w="9525">
                   <a:solidFill>
                     <a:srgbClr val="000000"/>
                   </a:solidFill>
@@ -3179,7 +3180,7 @@
             </a:ln>
             <a:extLst>
               <a:ext uri="{91240B29-F687-4f45-9708-019B960494DF}">
-                <a14:hiddenLine xmlns="" xmlns:a14="http://schemas.microsoft.com/office/drawing/2010/main" w="9525">
+                <a14:hiddenLine xmlns:a14="http://schemas.microsoft.com/office/drawing/2010/main" xmlns="" w="9525">
                   <a:solidFill>
                     <a:srgbClr val="000000"/>
                   </a:solidFill>
@@ -3213,7 +3214,7 @@
             </a:ln>
             <a:extLst>
               <a:ext uri="{91240B29-F687-4f45-9708-019B960494DF}">
-                <a14:hiddenLine xmlns="" xmlns:a14="http://schemas.microsoft.com/office/drawing/2010/main" w="9525">
+                <a14:hiddenLine xmlns:a14="http://schemas.microsoft.com/office/drawing/2010/main" xmlns="" w="9525">
                   <a:solidFill>
                     <a:srgbClr val="000000"/>
                   </a:solidFill>
@@ -3278,7 +3279,7 @@
             </a:ln>
             <a:extLst>
               <a:ext uri="{91240B29-F687-4f45-9708-019B960494DF}">
-                <a14:hiddenLine xmlns="" xmlns:a14="http://schemas.microsoft.com/office/drawing/2010/main" w="9525">
+                <a14:hiddenLine xmlns:a14="http://schemas.microsoft.com/office/drawing/2010/main" xmlns="" w="9525">
                   <a:solidFill>
                     <a:srgbClr val="000000"/>
                   </a:solidFill>
@@ -3368,7 +3369,7 @@
             </a:ln>
             <a:extLst>
               <a:ext uri="{91240B29-F687-4f45-9708-019B960494DF}">
-                <a14:hiddenLine xmlns="" xmlns:a14="http://schemas.microsoft.com/office/drawing/2010/main" w="9525">
+                <a14:hiddenLine xmlns:a14="http://schemas.microsoft.com/office/drawing/2010/main" xmlns="" w="9525">
                   <a:solidFill>
                     <a:srgbClr val="000000"/>
                   </a:solidFill>
@@ -3430,7 +3431,7 @@
             </a:ln>
             <a:extLst>
               <a:ext uri="{91240B29-F687-4f45-9708-019B960494DF}">
-                <a14:hiddenLine xmlns="" xmlns:a14="http://schemas.microsoft.com/office/drawing/2010/main" w="9525">
+                <a14:hiddenLine xmlns:a14="http://schemas.microsoft.com/office/drawing/2010/main" xmlns="" w="9525">
                   <a:solidFill>
                     <a:srgbClr val="000000"/>
                   </a:solidFill>
@@ -3520,7 +3521,7 @@
             </a:ln>
             <a:extLst>
               <a:ext uri="{91240B29-F687-4f45-9708-019B960494DF}">
-                <a14:hiddenLine xmlns="" xmlns:a14="http://schemas.microsoft.com/office/drawing/2010/main" w="9525">
+                <a14:hiddenLine xmlns:a14="http://schemas.microsoft.com/office/drawing/2010/main" xmlns="" w="9525">
                   <a:solidFill>
                     <a:srgbClr val="000000"/>
                   </a:solidFill>
@@ -3610,7 +3611,7 @@
             </a:ln>
             <a:extLst>
               <a:ext uri="{91240B29-F687-4f45-9708-019B960494DF}">
-                <a14:hiddenLine xmlns="" xmlns:a14="http://schemas.microsoft.com/office/drawing/2010/main" w="9525">
+                <a14:hiddenLine xmlns:a14="http://schemas.microsoft.com/office/drawing/2010/main" xmlns="" w="9525">
                   <a:solidFill>
                     <a:srgbClr val="000000"/>
                   </a:solidFill>
@@ -3675,7 +3676,7 @@
             </a:ln>
             <a:extLst>
               <a:ext uri="{91240B29-F687-4f45-9708-019B960494DF}">
-                <a14:hiddenLine xmlns="" xmlns:a14="http://schemas.microsoft.com/office/drawing/2010/main" w="9525">
+                <a14:hiddenLine xmlns:a14="http://schemas.microsoft.com/office/drawing/2010/main" xmlns="" w="9525">
                   <a:solidFill>
                     <a:srgbClr val="000000"/>
                   </a:solidFill>
@@ -3737,7 +3738,7 @@
             </a:ln>
             <a:extLst>
               <a:ext uri="{91240B29-F687-4f45-9708-019B960494DF}">
-                <a14:hiddenLine xmlns="" xmlns:a14="http://schemas.microsoft.com/office/drawing/2010/main" w="9525">
+                <a14:hiddenLine xmlns:a14="http://schemas.microsoft.com/office/drawing/2010/main" xmlns="" w="9525">
                   <a:solidFill>
                     <a:srgbClr val="000000"/>
                   </a:solidFill>
@@ -3827,7 +3828,7 @@
             </a:ln>
             <a:extLst>
               <a:ext uri="{91240B29-F687-4f45-9708-019B960494DF}">
-                <a14:hiddenLine xmlns="" xmlns:a14="http://schemas.microsoft.com/office/drawing/2010/main" w="9525">
+                <a14:hiddenLine xmlns:a14="http://schemas.microsoft.com/office/drawing/2010/main" xmlns="" w="9525">
                   <a:solidFill>
                     <a:srgbClr val="000000"/>
                   </a:solidFill>
@@ -3917,7 +3918,7 @@
             </a:ln>
             <a:extLst>
               <a:ext uri="{91240B29-F687-4f45-9708-019B960494DF}">
-                <a14:hiddenLine xmlns="" xmlns:a14="http://schemas.microsoft.com/office/drawing/2010/main" w="9525">
+                <a14:hiddenLine xmlns:a14="http://schemas.microsoft.com/office/drawing/2010/main" xmlns="" w="9525">
                   <a:solidFill>
                     <a:srgbClr val="000000"/>
                   </a:solidFill>
@@ -3979,7 +3980,7 @@
             </a:ln>
             <a:extLst>
               <a:ext uri="{91240B29-F687-4f45-9708-019B960494DF}">
-                <a14:hiddenLine xmlns="" xmlns:a14="http://schemas.microsoft.com/office/drawing/2010/main" w="9525">
+                <a14:hiddenLine xmlns:a14="http://schemas.microsoft.com/office/drawing/2010/main" xmlns="" w="9525">
                   <a:solidFill>
                     <a:srgbClr val="000000"/>
                   </a:solidFill>
@@ -4099,7 +4100,7 @@
             </a:ln>
             <a:extLst>
               <a:ext uri="{91240B29-F687-4f45-9708-019B960494DF}">
-                <a14:hiddenLine xmlns="" xmlns:a14="http://schemas.microsoft.com/office/drawing/2010/main" w="9525">
+                <a14:hiddenLine xmlns:a14="http://schemas.microsoft.com/office/drawing/2010/main" xmlns="" w="9525">
                   <a:solidFill>
                     <a:srgbClr val="000000"/>
                   </a:solidFill>
@@ -4167,7 +4168,7 @@
             </a:ln>
             <a:extLst>
               <a:ext uri="{91240B29-F687-4f45-9708-019B960494DF}">
-                <a14:hiddenLine xmlns="" xmlns:a14="http://schemas.microsoft.com/office/drawing/2010/main" w="9525">
+                <a14:hiddenLine xmlns:a14="http://schemas.microsoft.com/office/drawing/2010/main" xmlns="" w="9525">
                   <a:solidFill>
                     <a:srgbClr val="000000"/>
                   </a:solidFill>
@@ -4257,7 +4258,7 @@
             </a:ln>
             <a:extLst>
               <a:ext uri="{91240B29-F687-4f45-9708-019B960494DF}">
-                <a14:hiddenLine xmlns="" xmlns:a14="http://schemas.microsoft.com/office/drawing/2010/main" w="9525">
+                <a14:hiddenLine xmlns:a14="http://schemas.microsoft.com/office/drawing/2010/main" xmlns="" w="9525">
                   <a:solidFill>
                     <a:srgbClr val="000000"/>
                   </a:solidFill>
@@ -8986,7 +8987,7 @@
           <a:noFill/>
           <a:extLst>
             <a:ext uri="{909E8E84-426E-40dd-AFC4-6F175D3DCCD1}">
-              <a14:hiddenFill xmlns="" xmlns:a14="http://schemas.microsoft.com/office/drawing/2010/main">
+              <a14:hiddenFill xmlns:a14="http://schemas.microsoft.com/office/drawing/2010/main" xmlns="">
                 <a:solidFill>
                   <a:srgbClr val="FFFFFF"/>
                 </a:solidFill>
@@ -9060,7 +9061,7 @@
               </a:ln>
               <a:extLst>
                 <a:ext uri="{91240B29-F687-4f45-9708-019B960494DF}">
-                  <a14:hiddenLine xmlns="" xmlns:a14="http://schemas.microsoft.com/office/drawing/2010/main" w="9525">
+                  <a14:hiddenLine xmlns:a14="http://schemas.microsoft.com/office/drawing/2010/main" xmlns="" w="9525">
                     <a:solidFill>
                       <a:srgbClr val="000000"/>
                     </a:solidFill>
@@ -9150,7 +9151,7 @@
               </a:ln>
               <a:extLst>
                 <a:ext uri="{91240B29-F687-4f45-9708-019B960494DF}">
-                  <a14:hiddenLine xmlns="" xmlns:a14="http://schemas.microsoft.com/office/drawing/2010/main" w="9525">
+                  <a14:hiddenLine xmlns:a14="http://schemas.microsoft.com/office/drawing/2010/main" xmlns="" w="9525">
                     <a:solidFill>
                       <a:srgbClr val="000000"/>
                     </a:solidFill>
@@ -9240,7 +9241,7 @@
               </a:ln>
               <a:extLst>
                 <a:ext uri="{91240B29-F687-4f45-9708-019B960494DF}">
-                  <a14:hiddenLine xmlns="" xmlns:a14="http://schemas.microsoft.com/office/drawing/2010/main" w="9525">
+                  <a14:hiddenLine xmlns:a14="http://schemas.microsoft.com/office/drawing/2010/main" xmlns="" w="9525">
                     <a:solidFill>
                       <a:srgbClr val="000000"/>
                     </a:solidFill>
@@ -9302,7 +9303,7 @@
               </a:ln>
               <a:extLst>
                 <a:ext uri="{91240B29-F687-4f45-9708-019B960494DF}">
-                  <a14:hiddenLine xmlns="" xmlns:a14="http://schemas.microsoft.com/office/drawing/2010/main" w="9525">
+                  <a14:hiddenLine xmlns:a14="http://schemas.microsoft.com/office/drawing/2010/main" xmlns="" w="9525">
                     <a:solidFill>
                       <a:srgbClr val="000000"/>
                     </a:solidFill>
@@ -9392,7 +9393,7 @@
               </a:ln>
               <a:extLst>
                 <a:ext uri="{91240B29-F687-4f45-9708-019B960494DF}">
-                  <a14:hiddenLine xmlns="" xmlns:a14="http://schemas.microsoft.com/office/drawing/2010/main" w="9525">
+                  <a14:hiddenLine xmlns:a14="http://schemas.microsoft.com/office/drawing/2010/main" xmlns="" w="9525">
                     <a:solidFill>
                       <a:srgbClr val="000000"/>
                     </a:solidFill>
@@ -9454,7 +9455,7 @@
               </a:ln>
               <a:extLst>
                 <a:ext uri="{91240B29-F687-4f45-9708-019B960494DF}">
-                  <a14:hiddenLine xmlns="" xmlns:a14="http://schemas.microsoft.com/office/drawing/2010/main" w="9525">
+                  <a14:hiddenLine xmlns:a14="http://schemas.microsoft.com/office/drawing/2010/main" xmlns="" w="9525">
                     <a:solidFill>
                       <a:srgbClr val="000000"/>
                     </a:solidFill>
@@ -9516,7 +9517,7 @@
               </a:ln>
               <a:extLst>
                 <a:ext uri="{91240B29-F687-4f45-9708-019B960494DF}">
-                  <a14:hiddenLine xmlns="" xmlns:a14="http://schemas.microsoft.com/office/drawing/2010/main" w="9525">
+                  <a14:hiddenLine xmlns:a14="http://schemas.microsoft.com/office/drawing/2010/main" xmlns="" w="9525">
                     <a:solidFill>
                       <a:srgbClr val="000000"/>
                     </a:solidFill>
@@ -9606,7 +9607,7 @@
               </a:ln>
               <a:extLst>
                 <a:ext uri="{91240B29-F687-4f45-9708-019B960494DF}">
-                  <a14:hiddenLine xmlns="" xmlns:a14="http://schemas.microsoft.com/office/drawing/2010/main" w="9525">
+                  <a14:hiddenLine xmlns:a14="http://schemas.microsoft.com/office/drawing/2010/main" xmlns="" w="9525">
                     <a:solidFill>
                       <a:srgbClr val="000000"/>
                     </a:solidFill>
@@ -9696,7 +9697,7 @@
               </a:ln>
               <a:extLst>
                 <a:ext uri="{91240B29-F687-4f45-9708-019B960494DF}">
-                  <a14:hiddenLine xmlns="" xmlns:a14="http://schemas.microsoft.com/office/drawing/2010/main" w="9525">
+                  <a14:hiddenLine xmlns:a14="http://schemas.microsoft.com/office/drawing/2010/main" xmlns="" w="9525">
                     <a:solidFill>
                       <a:srgbClr val="000000"/>
                     </a:solidFill>
@@ -9758,7 +9759,7 @@
               </a:ln>
               <a:extLst>
                 <a:ext uri="{91240B29-F687-4f45-9708-019B960494DF}">
-                  <a14:hiddenLine xmlns="" xmlns:a14="http://schemas.microsoft.com/office/drawing/2010/main" w="9525">
+                  <a14:hiddenLine xmlns:a14="http://schemas.microsoft.com/office/drawing/2010/main" xmlns="" w="9525">
                     <a:solidFill>
                       <a:srgbClr val="000000"/>
                     </a:solidFill>
@@ -9868,7 +9869,7 @@
               </a:ln>
               <a:extLst>
                 <a:ext uri="{91240B29-F687-4f45-9708-019B960494DF}">
-                  <a14:hiddenLine xmlns="" xmlns:a14="http://schemas.microsoft.com/office/drawing/2010/main" w="9525">
+                  <a14:hiddenLine xmlns:a14="http://schemas.microsoft.com/office/drawing/2010/main" xmlns="" w="9525">
                     <a:solidFill>
                       <a:srgbClr val="000000"/>
                     </a:solidFill>
@@ -9952,7 +9953,7 @@
               </a:ln>
               <a:extLst>
                 <a:ext uri="{91240B29-F687-4f45-9708-019B960494DF}">
-                  <a14:hiddenLine xmlns="" xmlns:a14="http://schemas.microsoft.com/office/drawing/2010/main" w="9525">
+                  <a14:hiddenLine xmlns:a14="http://schemas.microsoft.com/office/drawing/2010/main" xmlns="" w="9525">
                     <a:solidFill>
                       <a:srgbClr val="000000"/>
                     </a:solidFill>
@@ -10014,7 +10015,7 @@
               </a:ln>
               <a:extLst>
                 <a:ext uri="{91240B29-F687-4f45-9708-019B960494DF}">
-                  <a14:hiddenLine xmlns="" xmlns:a14="http://schemas.microsoft.com/office/drawing/2010/main" w="9525">
+                  <a14:hiddenLine xmlns:a14="http://schemas.microsoft.com/office/drawing/2010/main" xmlns="" w="9525">
                     <a:solidFill>
                       <a:srgbClr val="000000"/>
                     </a:solidFill>
@@ -10076,7 +10077,7 @@
               </a:ln>
               <a:extLst>
                 <a:ext uri="{91240B29-F687-4f45-9708-019B960494DF}">
-                  <a14:hiddenLine xmlns="" xmlns:a14="http://schemas.microsoft.com/office/drawing/2010/main" w="9525">
+                  <a14:hiddenLine xmlns:a14="http://schemas.microsoft.com/office/drawing/2010/main" xmlns="" w="9525">
                     <a:solidFill>
                       <a:srgbClr val="000000"/>
                     </a:solidFill>
@@ -10166,7 +10167,7 @@
               </a:ln>
               <a:extLst>
                 <a:ext uri="{91240B29-F687-4f45-9708-019B960494DF}">
-                  <a14:hiddenLine xmlns="" xmlns:a14="http://schemas.microsoft.com/office/drawing/2010/main" w="9525">
+                  <a14:hiddenLine xmlns:a14="http://schemas.microsoft.com/office/drawing/2010/main" xmlns="" w="9525">
                     <a:solidFill>
                       <a:srgbClr val="000000"/>
                     </a:solidFill>
@@ -10200,7 +10201,7 @@
               </a:ln>
               <a:extLst>
                 <a:ext uri="{91240B29-F687-4f45-9708-019B960494DF}">
-                  <a14:hiddenLine xmlns="" xmlns:a14="http://schemas.microsoft.com/office/drawing/2010/main" w="9525">
+                  <a14:hiddenLine xmlns:a14="http://schemas.microsoft.com/office/drawing/2010/main" xmlns="" w="9525">
                     <a:solidFill>
                       <a:srgbClr val="000000"/>
                     </a:solidFill>
@@ -10265,7 +10266,7 @@
               </a:ln>
               <a:extLst>
                 <a:ext uri="{91240B29-F687-4f45-9708-019B960494DF}">
-                  <a14:hiddenLine xmlns="" xmlns:a14="http://schemas.microsoft.com/office/drawing/2010/main" w="9525">
+                  <a14:hiddenLine xmlns:a14="http://schemas.microsoft.com/office/drawing/2010/main" xmlns="" w="9525">
                     <a:solidFill>
                       <a:srgbClr val="000000"/>
                     </a:solidFill>
@@ -10355,7 +10356,7 @@
               </a:ln>
               <a:extLst>
                 <a:ext uri="{91240B29-F687-4f45-9708-019B960494DF}">
-                  <a14:hiddenLine xmlns="" xmlns:a14="http://schemas.microsoft.com/office/drawing/2010/main" w="9525">
+                  <a14:hiddenLine xmlns:a14="http://schemas.microsoft.com/office/drawing/2010/main" xmlns="" w="9525">
                     <a:solidFill>
                       <a:srgbClr val="000000"/>
                     </a:solidFill>
@@ -10417,7 +10418,7 @@
               </a:ln>
               <a:extLst>
                 <a:ext uri="{91240B29-F687-4f45-9708-019B960494DF}">
-                  <a14:hiddenLine xmlns="" xmlns:a14="http://schemas.microsoft.com/office/drawing/2010/main" w="9525">
+                  <a14:hiddenLine xmlns:a14="http://schemas.microsoft.com/office/drawing/2010/main" xmlns="" w="9525">
                     <a:solidFill>
                       <a:srgbClr val="000000"/>
                     </a:solidFill>
@@ -10507,7 +10508,7 @@
               </a:ln>
               <a:extLst>
                 <a:ext uri="{91240B29-F687-4f45-9708-019B960494DF}">
-                  <a14:hiddenLine xmlns="" xmlns:a14="http://schemas.microsoft.com/office/drawing/2010/main" w="9525">
+                  <a14:hiddenLine xmlns:a14="http://schemas.microsoft.com/office/drawing/2010/main" xmlns="" w="9525">
                     <a:solidFill>
                       <a:srgbClr val="000000"/>
                     </a:solidFill>
@@ -10572,7 +10573,7 @@
               </a:ln>
               <a:extLst>
                 <a:ext uri="{91240B29-F687-4f45-9708-019B960494DF}">
-                  <a14:hiddenLine xmlns="" xmlns:a14="http://schemas.microsoft.com/office/drawing/2010/main" w="9525">
+                  <a14:hiddenLine xmlns:a14="http://schemas.microsoft.com/office/drawing/2010/main" xmlns="" w="9525">
                     <a:solidFill>
                       <a:srgbClr val="000000"/>
                     </a:solidFill>
@@ -10634,7 +10635,7 @@
               </a:ln>
               <a:extLst>
                 <a:ext uri="{91240B29-F687-4f45-9708-019B960494DF}">
-                  <a14:hiddenLine xmlns="" xmlns:a14="http://schemas.microsoft.com/office/drawing/2010/main" w="9525">
+                  <a14:hiddenLine xmlns:a14="http://schemas.microsoft.com/office/drawing/2010/main" xmlns="" w="9525">
                     <a:solidFill>
                       <a:srgbClr val="000000"/>
                     </a:solidFill>
@@ -10724,7 +10725,7 @@
               </a:ln>
               <a:extLst>
                 <a:ext uri="{91240B29-F687-4f45-9708-019B960494DF}">
-                  <a14:hiddenLine xmlns="" xmlns:a14="http://schemas.microsoft.com/office/drawing/2010/main" w="9525">
+                  <a14:hiddenLine xmlns:a14="http://schemas.microsoft.com/office/drawing/2010/main" xmlns="" w="9525">
                     <a:solidFill>
                       <a:srgbClr val="000000"/>
                     </a:solidFill>
@@ -10814,7 +10815,7 @@
               </a:ln>
               <a:extLst>
                 <a:ext uri="{91240B29-F687-4f45-9708-019B960494DF}">
-                  <a14:hiddenLine xmlns="" xmlns:a14="http://schemas.microsoft.com/office/drawing/2010/main" w="9525">
+                  <a14:hiddenLine xmlns:a14="http://schemas.microsoft.com/office/drawing/2010/main" xmlns="" w="9525">
                     <a:solidFill>
                       <a:srgbClr val="000000"/>
                     </a:solidFill>
@@ -10879,7 +10880,7 @@
               </a:ln>
               <a:extLst>
                 <a:ext uri="{91240B29-F687-4f45-9708-019B960494DF}">
-                  <a14:hiddenLine xmlns="" xmlns:a14="http://schemas.microsoft.com/office/drawing/2010/main" w="9525">
+                  <a14:hiddenLine xmlns:a14="http://schemas.microsoft.com/office/drawing/2010/main" xmlns="" w="9525">
                     <a:solidFill>
                       <a:srgbClr val="000000"/>
                     </a:solidFill>
@@ -10999,7 +11000,7 @@
               </a:ln>
               <a:extLst>
                 <a:ext uri="{91240B29-F687-4f45-9708-019B960494DF}">
-                  <a14:hiddenLine xmlns="" xmlns:a14="http://schemas.microsoft.com/office/drawing/2010/main" w="9525">
+                  <a14:hiddenLine xmlns:a14="http://schemas.microsoft.com/office/drawing/2010/main" xmlns="" w="9525">
                     <a:solidFill>
                       <a:srgbClr val="000000"/>
                     </a:solidFill>
@@ -11097,7 +11098,7 @@
               </a:ln>
               <a:extLst>
                 <a:ext uri="{91240B29-F687-4f45-9708-019B960494DF}">
-                  <a14:hiddenLine xmlns="" xmlns:a14="http://schemas.microsoft.com/office/drawing/2010/main" w="9525">
+                  <a14:hiddenLine xmlns:a14="http://schemas.microsoft.com/office/drawing/2010/main" xmlns="" w="9525">
                     <a:solidFill>
                       <a:srgbClr val="000000"/>
                     </a:solidFill>
@@ -11212,7 +11213,7 @@
               </a:ln>
               <a:extLst>
                 <a:ext uri="{91240B29-F687-4f45-9708-019B960494DF}">
-                  <a14:hiddenLine xmlns="" xmlns:a14="http://schemas.microsoft.com/office/drawing/2010/main" w="9525">
+                  <a14:hiddenLine xmlns:a14="http://schemas.microsoft.com/office/drawing/2010/main" xmlns="" w="9525">
                     <a:solidFill>
                       <a:srgbClr val="000000"/>
                     </a:solidFill>
@@ -11302,7 +11303,7 @@
               </a:ln>
               <a:extLst>
                 <a:ext uri="{91240B29-F687-4f45-9708-019B960494DF}">
-                  <a14:hiddenLine xmlns="" xmlns:a14="http://schemas.microsoft.com/office/drawing/2010/main" w="9525">
+                  <a14:hiddenLine xmlns:a14="http://schemas.microsoft.com/office/drawing/2010/main" xmlns="" w="9525">
                     <a:solidFill>
                       <a:srgbClr val="000000"/>
                     </a:solidFill>
@@ -11367,7 +11368,7 @@
               </a:ln>
               <a:extLst>
                 <a:ext uri="{91240B29-F687-4f45-9708-019B960494DF}">
-                  <a14:hiddenLine xmlns="" xmlns:a14="http://schemas.microsoft.com/office/drawing/2010/main" w="9525">
+                  <a14:hiddenLine xmlns:a14="http://schemas.microsoft.com/office/drawing/2010/main" xmlns="" w="9525">
                     <a:solidFill>
                       <a:srgbClr val="000000"/>
                     </a:solidFill>
@@ -11457,7 +11458,7 @@
               </a:ln>
               <a:extLst>
                 <a:ext uri="{91240B29-F687-4f45-9708-019B960494DF}">
-                  <a14:hiddenLine xmlns="" xmlns:a14="http://schemas.microsoft.com/office/drawing/2010/main" w="9525">
+                  <a14:hiddenLine xmlns:a14="http://schemas.microsoft.com/office/drawing/2010/main" xmlns="" w="9525">
                     <a:solidFill>
                       <a:srgbClr val="000000"/>
                     </a:solidFill>
@@ -11525,7 +11526,7 @@
               </a:ln>
               <a:extLst>
                 <a:ext uri="{91240B29-F687-4f45-9708-019B960494DF}">
-                  <a14:hiddenLine xmlns="" xmlns:a14="http://schemas.microsoft.com/office/drawing/2010/main" w="9525">
+                  <a14:hiddenLine xmlns:a14="http://schemas.microsoft.com/office/drawing/2010/main" xmlns="" w="9525">
                     <a:solidFill>
                       <a:srgbClr val="000000"/>
                     </a:solidFill>
@@ -11615,7 +11616,7 @@
               </a:ln>
               <a:extLst>
                 <a:ext uri="{91240B29-F687-4f45-9708-019B960494DF}">
-                  <a14:hiddenLine xmlns="" xmlns:a14="http://schemas.microsoft.com/office/drawing/2010/main" w="9525">
+                  <a14:hiddenLine xmlns:a14="http://schemas.microsoft.com/office/drawing/2010/main" xmlns="" w="9525">
                     <a:solidFill>
                       <a:srgbClr val="000000"/>
                     </a:solidFill>
@@ -11683,7 +11684,7 @@
               </a:ln>
               <a:extLst>
                 <a:ext uri="{91240B29-F687-4f45-9708-019B960494DF}">
-                  <a14:hiddenLine xmlns="" xmlns:a14="http://schemas.microsoft.com/office/drawing/2010/main" w="9525">
+                  <a14:hiddenLine xmlns:a14="http://schemas.microsoft.com/office/drawing/2010/main" xmlns="" w="9525">
                     <a:solidFill>
                       <a:srgbClr val="000000"/>
                     </a:solidFill>
@@ -11773,7 +11774,7 @@
               </a:ln>
               <a:extLst>
                 <a:ext uri="{91240B29-F687-4f45-9708-019B960494DF}">
-                  <a14:hiddenLine xmlns="" xmlns:a14="http://schemas.microsoft.com/office/drawing/2010/main" w="9525">
+                  <a14:hiddenLine xmlns:a14="http://schemas.microsoft.com/office/drawing/2010/main" xmlns="" w="9525">
                     <a:solidFill>
                       <a:srgbClr val="000000"/>
                     </a:solidFill>
@@ -11807,7 +11808,7 @@
               </a:ln>
               <a:extLst>
                 <a:ext uri="{91240B29-F687-4f45-9708-019B960494DF}">
-                  <a14:hiddenLine xmlns="" xmlns:a14="http://schemas.microsoft.com/office/drawing/2010/main" w="9525">
+                  <a14:hiddenLine xmlns:a14="http://schemas.microsoft.com/office/drawing/2010/main" xmlns="" w="9525">
                     <a:solidFill>
                       <a:srgbClr val="000000"/>
                     </a:solidFill>
@@ -12447,11 +12448,15 @@
             </a:r>
             <a:r>
               <a:rPr lang="de-DE" dirty="0" err="1" smtClean="0"/>
-              <a:t>Application</a:t>
+              <a:t>ApPlication</a:t>
             </a:r>
             <a:r>
               <a:rPr lang="de-DE" dirty="0" smtClean="0"/>
-              <a:t> Lab</a:t>
+              <a:t> </a:t>
+            </a:r>
+            <a:r>
+              <a:rPr lang="de-DE" dirty="0" smtClean="0"/>
+              <a:t>Lab</a:t>
             </a:r>
             <a:endParaRPr lang="de-DE" dirty="0"/>
           </a:p>
@@ -12487,12 +12492,12 @@
           <a:p>
             <a:pPr algn="ctr"/>
             <a:r>
-              <a:rPr lang="de-DE" smtClean="0"/>
-              <a:t>FerdinanD </a:t>
+              <a:rPr lang="de-DE" dirty="0" err="1" smtClean="0"/>
+              <a:t>FerdinanD</a:t>
             </a:r>
             <a:r>
               <a:rPr lang="de-DE" dirty="0" smtClean="0"/>
-              <a:t>Birk, Lukas Stöferle, Marius Kircher</a:t>
+              <a:t> Birk, Lukas Stöferle, Marius Kircher</a:t>
             </a:r>
             <a:endParaRPr lang="de-DE" dirty="0"/>
           </a:p>
@@ -12552,7 +12557,7 @@
           <a:p>
             <a:r>
               <a:rPr lang="de-DE" dirty="0" smtClean="0"/>
-              <a:t>Datenhaltung</a:t>
+              <a:t>Persistenz in Android</a:t>
             </a:r>
             <a:endParaRPr lang="de-DE" dirty="0"/>
           </a:p>
@@ -12568,6 +12573,162 @@
             <p:ph idx="1"/>
           </p:nvPr>
         </p:nvSpPr>
+        <p:spPr>
+          <a:xfrm>
+            <a:off x="1141412" y="1828800"/>
+            <a:ext cx="9905999" cy="3962401"/>
+          </a:xfrm>
+        </p:spPr>
+        <p:txBody>
+          <a:bodyPr>
+            <a:normAutofit fontScale="85000" lnSpcReduction="20000"/>
+          </a:bodyPr>
+          <a:lstStyle/>
+          <a:p>
+            <a:r>
+              <a:rPr lang="de-DE" dirty="0" err="1" smtClean="0"/>
+              <a:t>Shared</a:t>
+            </a:r>
+            <a:r>
+              <a:rPr lang="de-DE" dirty="0" err="1"/>
+              <a:t>-</a:t>
+            </a:r>
+            <a:r>
+              <a:rPr lang="de-DE" dirty="0" err="1" smtClean="0"/>
+              <a:t>Preferences</a:t>
+            </a:r>
+            <a:r>
+              <a:rPr lang="de-DE" dirty="0" smtClean="0"/>
+              <a:t> (simpler </a:t>
+            </a:r>
+            <a:r>
+              <a:rPr lang="de-DE" dirty="0" err="1" smtClean="0"/>
+              <a:t>Key:Value</a:t>
+            </a:r>
+            <a:r>
+              <a:rPr lang="de-DE" dirty="0" smtClean="0"/>
+              <a:t> Store)</a:t>
+            </a:r>
+          </a:p>
+          <a:p>
+            <a:pPr lvl="1"/>
+            <a:r>
+              <a:rPr lang="de-DE" dirty="0" smtClean="0"/>
+              <a:t>Eigentlich auch nur lokale XML-Dateien</a:t>
+            </a:r>
+          </a:p>
+          <a:p>
+            <a:pPr lvl="1"/>
+            <a:r>
+              <a:rPr lang="de-DE" dirty="0" smtClean="0"/>
+              <a:t>Für Konfigurationsdaten und Einstellungen geeignet</a:t>
+            </a:r>
+            <a:endParaRPr lang="de-DE" dirty="0" smtClean="0"/>
+          </a:p>
+          <a:p>
+            <a:r>
+              <a:rPr lang="de-DE" dirty="0" smtClean="0"/>
+              <a:t>Interner Speicher</a:t>
+            </a:r>
+          </a:p>
+          <a:p>
+            <a:pPr lvl="1"/>
+            <a:r>
+              <a:rPr lang="de-DE" dirty="0" smtClean="0"/>
+              <a:t>Nur von entsprechender APP lesbar</a:t>
+            </a:r>
+            <a:endParaRPr lang="de-DE" dirty="0" smtClean="0"/>
+          </a:p>
+          <a:p>
+            <a:r>
+              <a:rPr lang="de-DE" dirty="0" smtClean="0"/>
+              <a:t>Externer Speicher</a:t>
+            </a:r>
+          </a:p>
+          <a:p>
+            <a:pPr lvl="1"/>
+            <a:r>
+              <a:rPr lang="de-DE" dirty="0" smtClean="0"/>
+              <a:t>Zugriff in der Regel für jeden möglich der Zugang zum Speicher hat</a:t>
+            </a:r>
+          </a:p>
+          <a:p>
+            <a:r>
+              <a:rPr lang="de-DE" dirty="0" err="1" smtClean="0"/>
+              <a:t>SQLite</a:t>
+            </a:r>
+            <a:r>
+              <a:rPr lang="de-DE" dirty="0" smtClean="0"/>
+              <a:t> Database </a:t>
+            </a:r>
+          </a:p>
+          <a:p>
+            <a:pPr lvl="1"/>
+            <a:r>
+              <a:rPr lang="de-DE" dirty="0" smtClean="0"/>
+              <a:t>Jede APP bekommt eigene Datenbank</a:t>
+            </a:r>
+            <a:endParaRPr lang="de-DE" dirty="0" smtClean="0"/>
+          </a:p>
+          <a:p>
+            <a:r>
+              <a:rPr lang="de-DE" dirty="0" smtClean="0"/>
+              <a:t>Google Cloud Angebote nutzen (ungeeignet für Offline Szenario)</a:t>
+            </a:r>
+            <a:endParaRPr lang="de-DE" dirty="0" smtClean="0"/>
+          </a:p>
+          <a:p>
+            <a:endParaRPr lang="de-DE" dirty="0"/>
+          </a:p>
+        </p:txBody>
+      </p:sp>
+    </p:spTree>
+    <p:extLst>
+      <p:ext uri="{BB962C8B-B14F-4D97-AF65-F5344CB8AC3E}">
+        <p14:creationId xmlns:p14="http://schemas.microsoft.com/office/powerpoint/2010/main" val="1637063910"/>
+      </p:ext>
+    </p:extLst>
+  </p:cSld>
+  <p:clrMapOvr>
+    <a:masterClrMapping/>
+  </p:clrMapOvr>
+  <p:timing>
+    <p:tnLst>
+      <p:par>
+        <p:cTn id="1" dur="indefinite" restart="never" nodeType="tmRoot"/>
+      </p:par>
+    </p:tnLst>
+  </p:timing>
+</p:sld>
+</file>
+
+<file path=ppt/slides/slide3.xml><?xml version="1.0" encoding="utf-8"?>
+<p:sld xmlns:a="http://schemas.openxmlformats.org/drawingml/2006/main" xmlns:r="http://schemas.openxmlformats.org/officeDocument/2006/relationships" xmlns:p="http://schemas.openxmlformats.org/presentationml/2006/main">
+  <p:cSld>
+    <p:spTree>
+      <p:nvGrpSpPr>
+        <p:cNvPr id="1" name=""/>
+        <p:cNvGrpSpPr/>
+        <p:nvPr/>
+      </p:nvGrpSpPr>
+      <p:grpSpPr>
+        <a:xfrm>
+          <a:off x="0" y="0"/>
+          <a:ext cx="0" cy="0"/>
+          <a:chOff x="0" y="0"/>
+          <a:chExt cx="0" cy="0"/>
+        </a:xfrm>
+      </p:grpSpPr>
+      <p:sp>
+        <p:nvSpPr>
+          <p:cNvPr id="2" name="Titel 1"/>
+          <p:cNvSpPr>
+            <a:spLocks noGrp="1"/>
+          </p:cNvSpPr>
+          <p:nvPr>
+            <p:ph type="title"/>
+          </p:nvPr>
+        </p:nvSpPr>
         <p:spPr/>
         <p:txBody>
           <a:bodyPr/>
@@ -12575,14 +12736,84 @@
           <a:p>
             <a:r>
               <a:rPr lang="de-DE" dirty="0" smtClean="0"/>
-              <a:t>Daten sollen auch offline verfügbar sein</a:t>
+              <a:t>Datenhaltung</a:t>
             </a:r>
-          </a:p>
+            <a:endParaRPr lang="de-DE" dirty="0"/>
+          </a:p>
+        </p:txBody>
+      </p:sp>
+      <p:sp>
+        <p:nvSpPr>
+          <p:cNvPr id="3" name="Inhaltsplatzhalter 2"/>
+          <p:cNvSpPr>
+            <a:spLocks noGrp="1"/>
+          </p:cNvSpPr>
+          <p:nvPr>
+            <p:ph idx="1"/>
+          </p:nvPr>
+        </p:nvSpPr>
+        <p:spPr>
+          <a:xfrm>
+            <a:off x="1141412" y="1816443"/>
+            <a:ext cx="9905999" cy="3974758"/>
+          </a:xfrm>
+        </p:spPr>
+        <p:txBody>
+          <a:bodyPr>
+            <a:normAutofit/>
+          </a:bodyPr>
+          <a:lstStyle/>
           <a:p>
             <a:r>
               <a:rPr lang="de-DE" dirty="0" smtClean="0"/>
-              <a:t>Daten werden im JSON-Format gespeichert</a:t>
+              <a:t>Daten sollen auch offline verfügbar </a:t>
             </a:r>
+            <a:r>
+              <a:rPr lang="de-DE" dirty="0" smtClean="0"/>
+              <a:t>sein, nachdem Deck heruntergeladen wurde</a:t>
+            </a:r>
+          </a:p>
+          <a:p>
+            <a:r>
+              <a:rPr lang="de-DE" dirty="0" smtClean="0"/>
+              <a:t>Bilder werden direkt beim Download auf dem Gerät konvertiert</a:t>
+            </a:r>
+          </a:p>
+          <a:p>
+            <a:pPr lvl="1"/>
+            <a:r>
+              <a:rPr lang="de-DE" dirty="0" smtClean="0"/>
+              <a:t>Sollten heutige Geräte problemlos meistern</a:t>
+            </a:r>
+            <a:endParaRPr lang="de-DE" dirty="0" smtClean="0"/>
+          </a:p>
+          <a:p>
+            <a:r>
+              <a:rPr lang="de-DE" dirty="0" smtClean="0"/>
+              <a:t>Daten im internen Speicher halten </a:t>
+            </a:r>
+          </a:p>
+          <a:p>
+            <a:pPr lvl="1"/>
+            <a:r>
+              <a:rPr lang="de-DE" dirty="0" smtClean="0"/>
+              <a:t>Format JSON, da wir JSON erhalten und somit parsen ersparen.</a:t>
+            </a:r>
+          </a:p>
+          <a:p>
+            <a:pPr lvl="1"/>
+            <a:r>
+              <a:rPr lang="de-DE" dirty="0" smtClean="0"/>
+              <a:t>Deck vor Spielbeginn komplett in Speicher laden für bessere Performance</a:t>
+            </a:r>
+          </a:p>
+          <a:p>
+            <a:pPr lvl="1"/>
+            <a:r>
+              <a:rPr lang="de-DE" dirty="0" smtClean="0"/>
+              <a:t>XML evtl. größere Performance – nicht wirklich relevant</a:t>
+            </a:r>
+            <a:endParaRPr lang="de-DE" dirty="0" smtClean="0"/>
           </a:p>
           <a:p>
             <a:endParaRPr lang="de-DE" dirty="0"/>
@@ -12609,7 +12840,7 @@
 </p:sld>
 </file>
 
-<file path=ppt/slides/slide3.xml><?xml version="1.0" encoding="utf-8"?>
+<file path=ppt/slides/slide4.xml><?xml version="1.0" encoding="utf-8"?>
 <p:sld xmlns:a="http://schemas.openxmlformats.org/drawingml/2006/main" xmlns:r="http://schemas.openxmlformats.org/officeDocument/2006/relationships" xmlns:p="http://schemas.openxmlformats.org/presentationml/2006/main">
   <p:cSld>
     <p:spTree>
